--- a/Docker基礎.pptx
+++ b/Docker基礎.pptx
@@ -10479,14 +10479,21 @@
               </a:spcBef>
             </a:pPr>
             <a:r>
-              <a:rPr lang="en-US" altLang="zh-TW" sz="6000" kern="0" dirty="0" err="1">
+              <a:rPr lang="zh-TW" altLang="en-US" sz="6000" kern="0" dirty="0" smtClean="0">
                 <a:latin typeface="Microsoft JhengHei"/>
                 <a:cs typeface="Microsoft JhengHei"/>
               </a:rPr>
+              <a:t>建立</a:t>
+            </a:r>
+            <a:r>
+              <a:rPr lang="en-US" altLang="zh-TW" sz="6000" kern="0" dirty="0" err="1" smtClean="0">
+                <a:latin typeface="Microsoft JhengHei"/>
+                <a:cs typeface="Microsoft JhengHei"/>
+              </a:rPr>
               <a:t>Dockfile</a:t>
             </a:r>
             <a:r>
-              <a:rPr lang="en-US" altLang="zh-TW" sz="6000" kern="0" dirty="0">
+              <a:rPr lang="en-US" altLang="zh-TW" sz="6000" kern="0" dirty="0" smtClean="0">
                 <a:latin typeface="Microsoft JhengHei"/>
                 <a:cs typeface="Microsoft JhengHei"/>
               </a:rPr>

--- a/Docker基礎.pptx
+++ b/Docker基礎.pptx
@@ -228,7 +228,7 @@
           <a:p>
             <a:fld id="{B7112B30-5644-497D-BEB2-D50DC512D3D8}" type="datetimeFigureOut">
               <a:rPr lang="zh-TW" altLang="en-US" smtClean="0"/>
-              <a:t>2020/11/12</a:t>
+              <a:t>2020/11/18</a:t>
             </a:fld>
             <a:endParaRPr lang="zh-TW" altLang="en-US"/>
           </a:p>
@@ -624,10 +624,6 @@
           <a:bodyPr/>
           <a:lstStyle/>
           <a:p>
-            <a:r>
-              <a:rPr lang="en-US" altLang="zh-TW" dirty="0" smtClean="0"/>
-              <a:t>https://docs.docker.com/engine/reference/commandline/docker/</a:t>
-            </a:r>
             <a:endParaRPr lang="zh-TW" altLang="en-US" dirty="0"/>
           </a:p>
         </p:txBody>
@@ -714,8 +710,85 @@
           <a:p>
             <a:r>
               <a:rPr lang="en-US" altLang="zh-TW" dirty="0" smtClean="0"/>
-              <a:t>https://docs.docker.com/engine/reference/commandline/docker/</a:t>
-            </a:r>
+              <a:t>$</a:t>
+            </a:r>
+            <a:r>
+              <a:rPr lang="en-US" altLang="zh-TW" dirty="0" err="1" smtClean="0"/>
+              <a:t>mkdir</a:t>
+            </a:r>
+            <a:r>
+              <a:rPr lang="en-US" altLang="zh-TW" dirty="0" smtClean="0"/>
+              <a:t> -p /</a:t>
+            </a:r>
+            <a:r>
+              <a:rPr lang="en-US" altLang="zh-TW" dirty="0" err="1" smtClean="0"/>
+              <a:t>docker</a:t>
+            </a:r>
+            <a:r>
+              <a:rPr lang="en-US" altLang="zh-TW" dirty="0" smtClean="0"/>
+              <a:t>/</a:t>
+            </a:r>
+            <a:r>
+              <a:rPr lang="en-US" altLang="zh-TW" dirty="0" err="1" smtClean="0"/>
+              <a:t>mysql</a:t>
+            </a:r>
+            <a:r>
+              <a:rPr lang="en-US" altLang="zh-TW" dirty="0" smtClean="0"/>
+              <a:t>-data</a:t>
+            </a:r>
+          </a:p>
+          <a:p>
+            <a:r>
+              <a:rPr lang="en-US" altLang="zh-TW" dirty="0" smtClean="0"/>
+              <a:t> $</a:t>
+            </a:r>
+            <a:r>
+              <a:rPr lang="en-US" altLang="zh-TW" dirty="0" err="1" smtClean="0"/>
+              <a:t>docker</a:t>
+            </a:r>
+            <a:r>
+              <a:rPr lang="en-US" altLang="zh-TW" dirty="0" smtClean="0"/>
+              <a:t> run -d -p 3307:3306 -e MYSQL_ROOT_PASSWORD=1234 -v=/root/</a:t>
+            </a:r>
+            <a:r>
+              <a:rPr lang="en-US" altLang="zh-TW" dirty="0" err="1" smtClean="0"/>
+              <a:t>docker</a:t>
+            </a:r>
+            <a:r>
+              <a:rPr lang="en-US" altLang="zh-TW" dirty="0" smtClean="0"/>
+              <a:t>/</a:t>
+            </a:r>
+            <a:r>
+              <a:rPr lang="en-US" altLang="zh-TW" dirty="0" err="1" smtClean="0"/>
+              <a:t>mysql</a:t>
+            </a:r>
+            <a:r>
+              <a:rPr lang="en-US" altLang="zh-TW" dirty="0" smtClean="0"/>
+              <a:t>-data:/</a:t>
+            </a:r>
+            <a:r>
+              <a:rPr lang="en-US" altLang="zh-TW" dirty="0" err="1" smtClean="0"/>
+              <a:t>var</a:t>
+            </a:r>
+            <a:r>
+              <a:rPr lang="en-US" altLang="zh-TW" dirty="0" smtClean="0"/>
+              <a:t>/lib/</a:t>
+            </a:r>
+            <a:r>
+              <a:rPr lang="en-US" altLang="zh-TW" dirty="0" err="1" smtClean="0"/>
+              <a:t>mysql</a:t>
+            </a:r>
+            <a:r>
+              <a:rPr lang="en-US" altLang="zh-TW" dirty="0" smtClean="0"/>
+              <a:t> </a:t>
+            </a:r>
+            <a:r>
+              <a:rPr lang="en-US" altLang="zh-TW" dirty="0" err="1" smtClean="0"/>
+              <a:t>mysql</a:t>
+            </a:r>
+            <a:endParaRPr lang="en-US" altLang="zh-TW" dirty="0" smtClean="0"/>
+          </a:p>
+          <a:p>
             <a:endParaRPr lang="zh-TW" altLang="en-US" dirty="0"/>
           </a:p>
         </p:txBody>
@@ -800,10 +873,6 @@
           <a:bodyPr/>
           <a:lstStyle/>
           <a:p>
-            <a:r>
-              <a:rPr lang="en-US" altLang="zh-TW" dirty="0" smtClean="0"/>
-              <a:t>https://docs.docker.com/engine/reference/commandline/docker/</a:t>
-            </a:r>
             <a:endParaRPr lang="zh-TW" altLang="en-US" dirty="0"/>
           </a:p>
         </p:txBody>
@@ -888,10 +957,6 @@
           <a:bodyPr/>
           <a:lstStyle/>
           <a:p>
-            <a:r>
-              <a:rPr lang="en-US" altLang="zh-TW" dirty="0" smtClean="0"/>
-              <a:t>https://docs.docker.com/engine/reference/commandline/docker/</a:t>
-            </a:r>
             <a:endParaRPr lang="zh-TW" altLang="en-US" dirty="0"/>
           </a:p>
         </p:txBody>
@@ -976,10 +1041,6 @@
           <a:bodyPr/>
           <a:lstStyle/>
           <a:p>
-            <a:r>
-              <a:rPr lang="en-US" altLang="zh-TW" dirty="0" smtClean="0"/>
-              <a:t>https://docs.docker.com/engine/reference/commandline/docker/</a:t>
-            </a:r>
             <a:endParaRPr lang="zh-TW" altLang="en-US" dirty="0"/>
           </a:p>
         </p:txBody>
@@ -2061,54 +2122,6 @@
           <a:bodyPr/>
           <a:lstStyle/>
           <a:p>
-            <a:pPr marL="0" marR="0" lvl="0" indent="0" algn="l" defTabSz="0" rtl="0" eaLnBrk="0" fontAlgn="base" latinLnBrk="0" hangingPunct="0">
-              <a:lnSpc>
-                <a:spcPct val="100000"/>
-              </a:lnSpc>
-              <a:spcBef>
-                <a:spcPct val="30000"/>
-              </a:spcBef>
-              <a:spcAft>
-                <a:spcPct val="0"/>
-              </a:spcAft>
-              <a:buClrTx/>
-              <a:buSzTx/>
-              <a:buFontTx/>
-              <a:buNone/>
-              <a:tabLst/>
-              <a:defRPr/>
-            </a:pPr>
-            <a:r>
-              <a:rPr lang="zh-TW" altLang="en-US" sz="1200" dirty="0" smtClean="0"/>
-              <a:t>本頁請列舉並說明</a:t>
-            </a:r>
-            <a:r>
-              <a:rPr lang="en-US" altLang="zh-TW" sz="1200" dirty="0" smtClean="0"/>
-              <a:t>2020</a:t>
-            </a:r>
-            <a:r>
-              <a:rPr lang="zh-TW" altLang="en-US" sz="1200" dirty="0" smtClean="0"/>
-              <a:t>會有什麼跟之前不一樣的計畫</a:t>
-            </a:r>
-            <a:r>
-              <a:rPr lang="en-US" altLang="zh-TW" sz="1200" dirty="0" smtClean="0"/>
-              <a:t>?</a:t>
-            </a:r>
-            <a:r>
-              <a:rPr lang="zh-TW" altLang="en-US" sz="1200" dirty="0" smtClean="0"/>
-              <a:t>包括新產品、新技能培養</a:t>
-            </a:r>
-            <a:r>
-              <a:rPr lang="en-US" altLang="zh-TW" sz="1200" dirty="0" smtClean="0"/>
-              <a:t>……</a:t>
-            </a:r>
-            <a:r>
-              <a:rPr lang="en-US" altLang="zh-TW" sz="1200" dirty="0" err="1" smtClean="0"/>
-              <a:t>etc</a:t>
-            </a:r>
-            <a:endParaRPr lang="en-US" altLang="zh-TW" sz="1200" dirty="0" smtClean="0"/>
-          </a:p>
-          <a:p>
             <a:endParaRPr lang="zh-TW" altLang="en-US" dirty="0"/>
           </a:p>
         </p:txBody>
@@ -2177,7 +2190,7 @@
                 <a:tabLst/>
                 <a:defRPr/>
               </a:pPr>
-              <a:t>2020/11/12</a:t>
+              <a:t>2020/11/18</a:t>
             </a:fld>
             <a:endParaRPr kumimoji="0" lang="zh-TW" altLang="en-US" sz="1200" b="0" i="0" u="none" strike="noStrike" kern="1200" cap="none" spc="0" normalizeH="0" baseline="0" noProof="0">
               <a:ln>
@@ -2344,54 +2357,6 @@
           <a:bodyPr/>
           <a:lstStyle/>
           <a:p>
-            <a:pPr marL="0" marR="0" lvl="0" indent="0" algn="l" defTabSz="0" rtl="0" eaLnBrk="0" fontAlgn="base" latinLnBrk="0" hangingPunct="0">
-              <a:lnSpc>
-                <a:spcPct val="100000"/>
-              </a:lnSpc>
-              <a:spcBef>
-                <a:spcPct val="30000"/>
-              </a:spcBef>
-              <a:spcAft>
-                <a:spcPct val="0"/>
-              </a:spcAft>
-              <a:buClrTx/>
-              <a:buSzTx/>
-              <a:buFontTx/>
-              <a:buNone/>
-              <a:tabLst/>
-              <a:defRPr/>
-            </a:pPr>
-            <a:r>
-              <a:rPr lang="zh-TW" altLang="en-US" sz="1200" dirty="0" smtClean="0"/>
-              <a:t>本頁請列舉並說明</a:t>
-            </a:r>
-            <a:r>
-              <a:rPr lang="en-US" altLang="zh-TW" sz="1200" dirty="0" smtClean="0"/>
-              <a:t>2020</a:t>
-            </a:r>
-            <a:r>
-              <a:rPr lang="zh-TW" altLang="en-US" sz="1200" dirty="0" smtClean="0"/>
-              <a:t>會有什麼跟之前不一樣的計畫</a:t>
-            </a:r>
-            <a:r>
-              <a:rPr lang="en-US" altLang="zh-TW" sz="1200" dirty="0" smtClean="0"/>
-              <a:t>?</a:t>
-            </a:r>
-            <a:r>
-              <a:rPr lang="zh-TW" altLang="en-US" sz="1200" dirty="0" smtClean="0"/>
-              <a:t>包括新產品、新技能培養</a:t>
-            </a:r>
-            <a:r>
-              <a:rPr lang="en-US" altLang="zh-TW" sz="1200" dirty="0" smtClean="0"/>
-              <a:t>……</a:t>
-            </a:r>
-            <a:r>
-              <a:rPr lang="en-US" altLang="zh-TW" sz="1200" dirty="0" err="1" smtClean="0"/>
-              <a:t>etc</a:t>
-            </a:r>
-            <a:endParaRPr lang="en-US" altLang="zh-TW" sz="1200" dirty="0" smtClean="0"/>
-          </a:p>
-          <a:p>
             <a:endParaRPr lang="zh-TW" altLang="en-US" dirty="0"/>
           </a:p>
         </p:txBody>
@@ -2460,7 +2425,7 @@
                 <a:tabLst/>
                 <a:defRPr/>
               </a:pPr>
-              <a:t>2020/11/12</a:t>
+              <a:t>2020/11/18</a:t>
             </a:fld>
             <a:endParaRPr kumimoji="0" lang="zh-TW" altLang="en-US" sz="1200" b="0" i="0" u="none" strike="noStrike" kern="1200" cap="none" spc="0" normalizeH="0" baseline="0" noProof="0">
               <a:ln>
@@ -2743,7 +2708,7 @@
                 <a:tabLst/>
                 <a:defRPr/>
               </a:pPr>
-              <a:t>2020/11/12</a:t>
+              <a:t>2020/11/18</a:t>
             </a:fld>
             <a:endParaRPr kumimoji="0" lang="zh-TW" altLang="en-US" sz="1200" b="0" i="0" u="none" strike="noStrike" kern="1200" cap="none" spc="0" normalizeH="0" baseline="0" noProof="0">
               <a:ln>
@@ -3026,7 +2991,7 @@
                 <a:tabLst/>
                 <a:defRPr/>
               </a:pPr>
-              <a:t>2020/11/12</a:t>
+              <a:t>2020/11/18</a:t>
             </a:fld>
             <a:endParaRPr kumimoji="0" lang="zh-TW" altLang="en-US" sz="1200" b="0" i="0" u="none" strike="noStrike" kern="1200" cap="none" spc="0" normalizeH="0" baseline="0" noProof="0">
               <a:ln>
@@ -3273,10 +3238,6 @@
           <a:bodyPr/>
           <a:lstStyle/>
           <a:p>
-            <a:r>
-              <a:rPr lang="en-US" altLang="zh-TW" dirty="0" smtClean="0"/>
-              <a:t>https://docs.docker.com/engine/reference/commandline/docker/</a:t>
-            </a:r>
             <a:endParaRPr lang="zh-TW" altLang="en-US" dirty="0"/>
           </a:p>
         </p:txBody>
@@ -3361,10 +3322,6 @@
           <a:bodyPr/>
           <a:lstStyle/>
           <a:p>
-            <a:r>
-              <a:rPr lang="en-US" altLang="zh-TW" dirty="0" smtClean="0"/>
-              <a:t>https://docs.docker.com/engine/reference/commandline/docker/</a:t>
-            </a:r>
             <a:endParaRPr lang="zh-TW" altLang="en-US" dirty="0"/>
           </a:p>
         </p:txBody>
@@ -3449,10 +3406,6 @@
           <a:bodyPr/>
           <a:lstStyle/>
           <a:p>
-            <a:r>
-              <a:rPr lang="en-US" altLang="zh-TW" dirty="0" smtClean="0"/>
-              <a:t>https://docs.docker.com/engine/reference/commandline/docker/</a:t>
-            </a:r>
             <a:endParaRPr lang="zh-TW" altLang="en-US" dirty="0"/>
           </a:p>
         </p:txBody>
@@ -3638,7 +3591,7 @@
           <a:p>
             <a:fld id="{1D8BD707-D9CF-40AE-B4C6-C98DA3205C09}" type="datetimeFigureOut">
               <a:rPr lang="en-US"/>
-              <a:t>11/12/2020</a:t>
+              <a:t>11/18/2020</a:t>
             </a:fld>
             <a:endParaRPr lang="en-US"/>
           </a:p>
@@ -4964,7 +4917,7 @@
           <a:p>
             <a:fld id="{1D8BD707-D9CF-40AE-B4C6-C98DA3205C09}" type="datetimeFigureOut">
               <a:rPr lang="en-US"/>
-              <a:t>11/12/2020</a:t>
+              <a:t>11/18/2020</a:t>
             </a:fld>
             <a:endParaRPr lang="en-US"/>
           </a:p>
@@ -5178,7 +5131,7 @@
           <a:p>
             <a:fld id="{1D8BD707-D9CF-40AE-B4C6-C98DA3205C09}" type="datetimeFigureOut">
               <a:rPr lang="en-US"/>
-              <a:t>11/12/2020</a:t>
+              <a:t>11/18/2020</a:t>
             </a:fld>
             <a:endParaRPr lang="en-US"/>
           </a:p>
@@ -5326,7 +5279,7 @@
           <a:p>
             <a:fld id="{1D8BD707-D9CF-40AE-B4C6-C98DA3205C09}" type="datetimeFigureOut">
               <a:rPr lang="en-US"/>
-              <a:t>11/12/2020</a:t>
+              <a:t>11/18/2020</a:t>
             </a:fld>
             <a:endParaRPr lang="en-US"/>
           </a:p>
@@ -5445,7 +5398,7 @@
           <a:p>
             <a:fld id="{1D8BD707-D9CF-40AE-B4C6-C98DA3205C09}" type="datetimeFigureOut">
               <a:rPr lang="en-US"/>
-              <a:t>11/12/2020</a:t>
+              <a:t>11/18/2020</a:t>
             </a:fld>
             <a:endParaRPr lang="en-US"/>
           </a:p>
@@ -6272,7 +6225,7 @@
           <a:p>
             <a:fld id="{1D8BD707-D9CF-40AE-B4C6-C98DA3205C09}" type="datetimeFigureOut">
               <a:rPr lang="en-US"/>
-              <a:t>11/12/2020</a:t>
+              <a:t>11/18/2020</a:t>
             </a:fld>
             <a:endParaRPr lang="en-US"/>
           </a:p>

--- a/Docker基礎.pptx
+++ b/Docker基礎.pptx
@@ -10630,14 +10630,21 @@
               </a:tabLst>
             </a:pPr>
             <a:r>
-              <a:rPr lang="en-US" sz="3200" dirty="0" smtClean="0">
-                <a:solidFill>
-                  <a:schemeClr val="accent3"/>
-                </a:solidFill>
+              <a:rPr lang="en-US" sz="3200" dirty="0">
                 <a:latin typeface="Courier New"/>
                 <a:cs typeface="Courier New"/>
               </a:rPr>
-              <a:t>$ </a:t>
+              <a:t>$</a:t>
+            </a:r>
+            <a:r>
+              <a:rPr lang="en-US" sz="3200" dirty="0" smtClean="0">
+                <a:solidFill>
+                  <a:schemeClr val="accent3"/>
+                </a:solidFill>
+                <a:latin typeface="Courier New"/>
+                <a:cs typeface="Courier New"/>
+              </a:rPr>
+              <a:t> </a:t>
             </a:r>
             <a:r>
               <a:rPr lang="en-US" sz="3200" dirty="0" err="1">

--- a/Docker基礎.pptx
+++ b/Docker基礎.pptx
@@ -10606,7 +10606,17 @@
                 <a:latin typeface="Courier New"/>
                 <a:cs typeface="Courier New"/>
               </a:rPr>
-              <a:t>builder –t </a:t>
+              <a:t>build </a:t>
+            </a:r>
+            <a:r>
+              <a:rPr lang="en-US" sz="3200" dirty="0" smtClean="0">
+                <a:solidFill>
+                  <a:srgbClr val="EB5C56"/>
+                </a:solidFill>
+                <a:latin typeface="Courier New"/>
+                <a:cs typeface="Courier New"/>
+              </a:rPr>
+              <a:t>–t </a:t>
             </a:r>
             <a:r>
               <a:rPr lang="en-US" sz="3200" dirty="0" smtClean="0">
@@ -10773,7 +10783,17 @@
                 <a:latin typeface="Consolas"/>
                 <a:cs typeface="Consolas"/>
               </a:rPr>
-              <a:t>builder –t </a:t>
+              <a:t>build </a:t>
+            </a:r>
+            <a:r>
+              <a:rPr lang="en-US" sz="3600" dirty="0" smtClean="0">
+                <a:solidFill>
+                  <a:srgbClr val="EC5D57"/>
+                </a:solidFill>
+                <a:latin typeface="Consolas"/>
+                <a:cs typeface="Consolas"/>
+              </a:rPr>
+              <a:t>–t </a:t>
             </a:r>
             <a:r>
               <a:rPr lang="en-US" sz="3600" dirty="0" smtClean="0">

--- a/Docker基礎.pptx
+++ b/Docker基礎.pptx
@@ -228,7 +228,7 @@
           <a:p>
             <a:fld id="{B7112B30-5644-497D-BEB2-D50DC512D3D8}" type="datetimeFigureOut">
               <a:rPr lang="zh-TW" altLang="en-US" smtClean="0"/>
-              <a:t>2020/11/18</a:t>
+              <a:t>2020/11/26</a:t>
             </a:fld>
             <a:endParaRPr lang="zh-TW" altLang="en-US"/>
           </a:p>
@@ -709,6 +709,184 @@
           <a:lstStyle/>
           <a:p>
             <a:r>
+              <a:rPr lang="en-US" altLang="zh-TW" sz="1200" kern="1200" dirty="0" err="1" smtClean="0">
+                <a:solidFill>
+                  <a:schemeClr val="tx1"/>
+                </a:solidFill>
+                <a:effectLst/>
+                <a:latin typeface="+mn-lt"/>
+                <a:ea typeface="+mn-ea"/>
+                <a:cs typeface="+mn-cs"/>
+              </a:rPr>
+              <a:t>docker</a:t>
+            </a:r>
+            <a:r>
+              <a:rPr lang="en-US" altLang="zh-TW" sz="1200" kern="1200" dirty="0" smtClean="0">
+                <a:solidFill>
+                  <a:schemeClr val="tx1"/>
+                </a:solidFill>
+                <a:effectLst/>
+                <a:latin typeface="+mn-lt"/>
+                <a:ea typeface="+mn-ea"/>
+                <a:cs typeface="+mn-cs"/>
+              </a:rPr>
+              <a:t> exec</a:t>
+            </a:r>
+            <a:r>
+              <a:rPr lang="en-US" altLang="zh-TW" sz="1200" kern="1200" baseline="0" dirty="0" smtClean="0">
+                <a:solidFill>
+                  <a:schemeClr val="tx1"/>
+                </a:solidFill>
+                <a:effectLst/>
+                <a:latin typeface="+mn-lt"/>
+                <a:ea typeface="+mn-ea"/>
+                <a:cs typeface="+mn-cs"/>
+              </a:rPr>
+              <a:t> –it </a:t>
+            </a:r>
+            <a:r>
+              <a:rPr lang="en-US" altLang="zh-TW" sz="1200" kern="1200" baseline="0" dirty="0" err="1" smtClean="0">
+                <a:solidFill>
+                  <a:schemeClr val="tx1"/>
+                </a:solidFill>
+                <a:effectLst/>
+                <a:latin typeface="+mn-lt"/>
+                <a:ea typeface="+mn-ea"/>
+                <a:cs typeface="+mn-cs"/>
+              </a:rPr>
+              <a:t>Container_ID</a:t>
+            </a:r>
+            <a:r>
+              <a:rPr lang="en-US" altLang="zh-TW" sz="1200" kern="1200" baseline="0" dirty="0" smtClean="0">
+                <a:solidFill>
+                  <a:schemeClr val="tx1"/>
+                </a:solidFill>
+                <a:effectLst/>
+                <a:latin typeface="+mn-lt"/>
+                <a:ea typeface="+mn-ea"/>
+                <a:cs typeface="+mn-cs"/>
+              </a:rPr>
+              <a:t> bash</a:t>
+            </a:r>
+            <a:endParaRPr lang="en-US" altLang="zh-TW" sz="1200" kern="1200" dirty="0" smtClean="0">
+              <a:solidFill>
+                <a:schemeClr val="tx1"/>
+              </a:solidFill>
+              <a:effectLst/>
+              <a:latin typeface="+mn-lt"/>
+              <a:ea typeface="+mn-ea"/>
+              <a:cs typeface="+mn-cs"/>
+            </a:endParaRPr>
+          </a:p>
+          <a:p>
+            <a:r>
+              <a:rPr lang="en-US" altLang="zh-TW" sz="1200" kern="1200" dirty="0" smtClean="0">
+                <a:solidFill>
+                  <a:schemeClr val="tx1"/>
+                </a:solidFill>
+                <a:effectLst/>
+                <a:latin typeface="+mn-lt"/>
+                <a:ea typeface="+mn-ea"/>
+                <a:cs typeface="+mn-cs"/>
+              </a:rPr>
+              <a:t>GRANT ALL ON *.* TO ‘</a:t>
+            </a:r>
+            <a:r>
+              <a:rPr lang="en-US" altLang="zh-TW" sz="1200" kern="1200" dirty="0" err="1" smtClean="0">
+                <a:solidFill>
+                  <a:schemeClr val="tx1"/>
+                </a:solidFill>
+                <a:effectLst/>
+                <a:latin typeface="+mn-lt"/>
+                <a:ea typeface="+mn-ea"/>
+                <a:cs typeface="+mn-cs"/>
+              </a:rPr>
+              <a:t>root'@'localhost</a:t>
+            </a:r>
+            <a:r>
+              <a:rPr lang="en-US" altLang="zh-TW" sz="1200" kern="1200" dirty="0" smtClean="0">
+                <a:solidFill>
+                  <a:schemeClr val="tx1"/>
+                </a:solidFill>
+                <a:effectLst/>
+                <a:latin typeface="+mn-lt"/>
+                <a:ea typeface="+mn-ea"/>
+                <a:cs typeface="+mn-cs"/>
+              </a:rPr>
+              <a:t>';</a:t>
+            </a:r>
+            <a:endParaRPr lang="zh-TW" altLang="zh-TW" sz="1200" kern="1200" dirty="0" smtClean="0">
+              <a:solidFill>
+                <a:schemeClr val="tx1"/>
+              </a:solidFill>
+              <a:effectLst/>
+              <a:latin typeface="+mn-lt"/>
+              <a:ea typeface="+mn-ea"/>
+              <a:cs typeface="+mn-cs"/>
+            </a:endParaRPr>
+          </a:p>
+          <a:p>
+            <a:r>
+              <a:rPr lang="en-US" altLang="zh-TW" sz="1200" kern="1200" dirty="0" smtClean="0">
+                <a:solidFill>
+                  <a:schemeClr val="tx1"/>
+                </a:solidFill>
+                <a:effectLst/>
+                <a:latin typeface="+mn-lt"/>
+                <a:ea typeface="+mn-ea"/>
+                <a:cs typeface="+mn-cs"/>
+              </a:rPr>
+              <a:t>GRANT ALL ON *.* TO ‘root'@'%';</a:t>
+            </a:r>
+            <a:endParaRPr lang="zh-TW" altLang="zh-TW" sz="1200" kern="1200" dirty="0" smtClean="0">
+              <a:solidFill>
+                <a:schemeClr val="tx1"/>
+              </a:solidFill>
+              <a:effectLst/>
+              <a:latin typeface="+mn-lt"/>
+              <a:ea typeface="+mn-ea"/>
+              <a:cs typeface="+mn-cs"/>
+            </a:endParaRPr>
+          </a:p>
+          <a:p>
+            <a:r>
+              <a:rPr lang="en-US" altLang="zh-TW" sz="1200" kern="1200" dirty="0" smtClean="0">
+                <a:solidFill>
+                  <a:schemeClr val="tx1"/>
+                </a:solidFill>
+                <a:effectLst/>
+                <a:latin typeface="+mn-lt"/>
+                <a:ea typeface="+mn-ea"/>
+                <a:cs typeface="+mn-cs"/>
+              </a:rPr>
+              <a:t>FLUSH PRIVILEGES;</a:t>
+            </a:r>
+            <a:endParaRPr lang="zh-TW" altLang="zh-TW" sz="1200" kern="1200" dirty="0" smtClean="0">
+              <a:solidFill>
+                <a:schemeClr val="tx1"/>
+              </a:solidFill>
+              <a:effectLst/>
+              <a:latin typeface="+mn-lt"/>
+              <a:ea typeface="+mn-ea"/>
+              <a:cs typeface="+mn-cs"/>
+            </a:endParaRPr>
+          </a:p>
+          <a:p>
+            <a:endParaRPr lang="en-US" altLang="zh-TW" dirty="0" smtClean="0"/>
+          </a:p>
+          <a:p>
+            <a:r>
+              <a:rPr lang="zh-TW" altLang="en-US" smtClean="0"/>
+              <a:t>設定</a:t>
+            </a:r>
+            <a:r>
+              <a:rPr lang="en-US" altLang="zh-TW" dirty="0" err="1" smtClean="0"/>
+              <a:t>Volumns</a:t>
+            </a:r>
+            <a:endParaRPr lang="en-US" altLang="zh-TW" dirty="0" smtClean="0"/>
+          </a:p>
+          <a:p>
+            <a:r>
               <a:rPr lang="en-US" altLang="zh-TW" dirty="0" smtClean="0"/>
               <a:t>$</a:t>
             </a:r>
@@ -2190,7 +2368,7 @@
                 <a:tabLst/>
                 <a:defRPr/>
               </a:pPr>
-              <a:t>2020/11/18</a:t>
+              <a:t>2020/11/26</a:t>
             </a:fld>
             <a:endParaRPr kumimoji="0" lang="zh-TW" altLang="en-US" sz="1200" b="0" i="0" u="none" strike="noStrike" kern="1200" cap="none" spc="0" normalizeH="0" baseline="0" noProof="0">
               <a:ln>
@@ -2425,7 +2603,7 @@
                 <a:tabLst/>
                 <a:defRPr/>
               </a:pPr>
-              <a:t>2020/11/18</a:t>
+              <a:t>2020/11/26</a:t>
             </a:fld>
             <a:endParaRPr kumimoji="0" lang="zh-TW" altLang="en-US" sz="1200" b="0" i="0" u="none" strike="noStrike" kern="1200" cap="none" spc="0" normalizeH="0" baseline="0" noProof="0">
               <a:ln>
@@ -2708,7 +2886,7 @@
                 <a:tabLst/>
                 <a:defRPr/>
               </a:pPr>
-              <a:t>2020/11/18</a:t>
+              <a:t>2020/11/26</a:t>
             </a:fld>
             <a:endParaRPr kumimoji="0" lang="zh-TW" altLang="en-US" sz="1200" b="0" i="0" u="none" strike="noStrike" kern="1200" cap="none" spc="0" normalizeH="0" baseline="0" noProof="0">
               <a:ln>
@@ -2991,7 +3169,7 @@
                 <a:tabLst/>
                 <a:defRPr/>
               </a:pPr>
-              <a:t>2020/11/18</a:t>
+              <a:t>2020/11/26</a:t>
             </a:fld>
             <a:endParaRPr kumimoji="0" lang="zh-TW" altLang="en-US" sz="1200" b="0" i="0" u="none" strike="noStrike" kern="1200" cap="none" spc="0" normalizeH="0" baseline="0" noProof="0">
               <a:ln>
@@ -3591,7 +3769,7 @@
           <a:p>
             <a:fld id="{1D8BD707-D9CF-40AE-B4C6-C98DA3205C09}" type="datetimeFigureOut">
               <a:rPr lang="en-US"/>
-              <a:t>11/18/2020</a:t>
+              <a:t>11/26/2020</a:t>
             </a:fld>
             <a:endParaRPr lang="en-US"/>
           </a:p>
@@ -4917,7 +5095,7 @@
           <a:p>
             <a:fld id="{1D8BD707-D9CF-40AE-B4C6-C98DA3205C09}" type="datetimeFigureOut">
               <a:rPr lang="en-US"/>
-              <a:t>11/18/2020</a:t>
+              <a:t>11/26/2020</a:t>
             </a:fld>
             <a:endParaRPr lang="en-US"/>
           </a:p>
@@ -5131,7 +5309,7 @@
           <a:p>
             <a:fld id="{1D8BD707-D9CF-40AE-B4C6-C98DA3205C09}" type="datetimeFigureOut">
               <a:rPr lang="en-US"/>
-              <a:t>11/18/2020</a:t>
+              <a:t>11/26/2020</a:t>
             </a:fld>
             <a:endParaRPr lang="en-US"/>
           </a:p>
@@ -5279,7 +5457,7 @@
           <a:p>
             <a:fld id="{1D8BD707-D9CF-40AE-B4C6-C98DA3205C09}" type="datetimeFigureOut">
               <a:rPr lang="en-US"/>
-              <a:t>11/18/2020</a:t>
+              <a:t>11/26/2020</a:t>
             </a:fld>
             <a:endParaRPr lang="en-US"/>
           </a:p>
@@ -5398,7 +5576,7 @@
           <a:p>
             <a:fld id="{1D8BD707-D9CF-40AE-B4C6-C98DA3205C09}" type="datetimeFigureOut">
               <a:rPr lang="en-US"/>
-              <a:t>11/18/2020</a:t>
+              <a:t>11/26/2020</a:t>
             </a:fld>
             <a:endParaRPr lang="en-US"/>
           </a:p>
@@ -6225,7 +6403,7 @@
           <a:p>
             <a:fld id="{1D8BD707-D9CF-40AE-B4C6-C98DA3205C09}" type="datetimeFigureOut">
               <a:rPr lang="en-US"/>
-              <a:t>11/18/2020</a:t>
+              <a:t>11/26/2020</a:t>
             </a:fld>
             <a:endParaRPr lang="en-US"/>
           </a:p>
@@ -10606,17 +10784,7 @@
                 <a:latin typeface="Courier New"/>
                 <a:cs typeface="Courier New"/>
               </a:rPr>
-              <a:t>build </a:t>
-            </a:r>
-            <a:r>
-              <a:rPr lang="en-US" sz="3200" dirty="0" smtClean="0">
-                <a:solidFill>
-                  <a:srgbClr val="EB5C56"/>
-                </a:solidFill>
-                <a:latin typeface="Courier New"/>
-                <a:cs typeface="Courier New"/>
-              </a:rPr>
-              <a:t>–t </a:t>
+              <a:t>build –t </a:t>
             </a:r>
             <a:r>
               <a:rPr lang="en-US" sz="3200" dirty="0" smtClean="0">
@@ -10783,17 +10951,7 @@
                 <a:latin typeface="Consolas"/>
                 <a:cs typeface="Consolas"/>
               </a:rPr>
-              <a:t>build </a:t>
-            </a:r>
-            <a:r>
-              <a:rPr lang="en-US" sz="3600" dirty="0" smtClean="0">
-                <a:solidFill>
-                  <a:srgbClr val="EC5D57"/>
-                </a:solidFill>
-                <a:latin typeface="Consolas"/>
-                <a:cs typeface="Consolas"/>
-              </a:rPr>
-              <a:t>–t </a:t>
+              <a:t>build –t </a:t>
             </a:r>
             <a:r>
               <a:rPr lang="en-US" sz="3600" dirty="0" smtClean="0">

--- a/Docker基礎.pptx
+++ b/Docker基礎.pptx
@@ -6,7 +6,7 @@
     <p:sldMasterId id="2147483666" r:id="rId2"/>
   </p:sldMasterIdLst>
   <p:notesMasterIdLst>
-    <p:notesMasterId r:id="rId23"/>
+    <p:notesMasterId r:id="rId24"/>
   </p:notesMasterIdLst>
   <p:sldIdLst>
     <p:sldId id="256" r:id="rId3"/>
@@ -29,6 +29,7 @@
     <p:sldId id="346" r:id="rId20"/>
     <p:sldId id="354" r:id="rId21"/>
     <p:sldId id="355" r:id="rId22"/>
+    <p:sldId id="356" r:id="rId23"/>
   </p:sldIdLst>
   <p:sldSz cx="13004800" cy="9753600"/>
   <p:notesSz cx="13004800" cy="9753600"/>
@@ -228,7 +229,7 @@
           <a:p>
             <a:fld id="{B7112B30-5644-497D-BEB2-D50DC512D3D8}" type="datetimeFigureOut">
               <a:rPr lang="zh-TW" altLang="en-US" smtClean="0"/>
-              <a:t>2020/11/26</a:t>
+              <a:t>2020/11/27</a:t>
             </a:fld>
             <a:endParaRPr lang="zh-TW" altLang="en-US"/>
           </a:p>
@@ -2248,6 +2249,258 @@
 </p:notes>
 </file>
 
+<file path=ppt/notesSlides/notesSlide19.xml><?xml version="1.0" encoding="utf-8"?>
+<p:notes xmlns:a="http://schemas.openxmlformats.org/drawingml/2006/main" xmlns:r="http://schemas.openxmlformats.org/officeDocument/2006/relationships" xmlns:p="http://schemas.openxmlformats.org/presentationml/2006/main">
+  <p:cSld>
+    <p:spTree>
+      <p:nvGrpSpPr>
+        <p:cNvPr id="1" name=""/>
+        <p:cNvGrpSpPr/>
+        <p:nvPr/>
+      </p:nvGrpSpPr>
+      <p:grpSpPr>
+        <a:xfrm>
+          <a:off x="0" y="0"/>
+          <a:ext cx="0" cy="0"/>
+          <a:chOff x="0" y="0"/>
+          <a:chExt cx="0" cy="0"/>
+        </a:xfrm>
+      </p:grpSpPr>
+      <p:sp>
+        <p:nvSpPr>
+          <p:cNvPr id="2" name="投影片圖像版面配置區 1"/>
+          <p:cNvSpPr>
+            <a:spLocks noGrp="1" noRot="1" noChangeAspect="1"/>
+          </p:cNvSpPr>
+          <p:nvPr>
+            <p:ph type="sldImg"/>
+          </p:nvPr>
+        </p:nvSpPr>
+        <p:spPr/>
+      </p:sp>
+      <p:sp>
+        <p:nvSpPr>
+          <p:cNvPr id="3" name="備忘稿版面配置區 2"/>
+          <p:cNvSpPr>
+            <a:spLocks noGrp="1"/>
+          </p:cNvSpPr>
+          <p:nvPr>
+            <p:ph type="body" idx="1"/>
+          </p:nvPr>
+        </p:nvSpPr>
+        <p:spPr/>
+        <p:txBody>
+          <a:bodyPr/>
+          <a:lstStyle/>
+          <a:p>
+            <a:r>
+              <a:rPr lang="en-US" altLang="zh-TW" dirty="0" smtClean="0"/>
+              <a:t>$</a:t>
+            </a:r>
+            <a:r>
+              <a:rPr lang="en-US" altLang="zh-TW" dirty="0" err="1" smtClean="0"/>
+              <a:t>docker</a:t>
+            </a:r>
+            <a:r>
+              <a:rPr lang="en-US" altLang="zh-TW" dirty="0" smtClean="0"/>
+              <a:t> system prune</a:t>
+            </a:r>
+          </a:p>
+          <a:p>
+            <a:r>
+              <a:rPr lang="en-US" altLang="zh-TW" dirty="0" smtClean="0"/>
+              <a:t>  - all stopped containers</a:t>
+            </a:r>
+          </a:p>
+          <a:p>
+            <a:r>
+              <a:rPr lang="en-US" altLang="zh-TW" dirty="0" smtClean="0"/>
+              <a:t>  - all networks not used by at least one container</a:t>
+            </a:r>
+          </a:p>
+          <a:p>
+            <a:r>
+              <a:rPr lang="en-US" altLang="zh-TW" dirty="0" smtClean="0"/>
+              <a:t>  - all dangling(</a:t>
+            </a:r>
+            <a:r>
+              <a:rPr lang="zh-TW" altLang="en-US" sz="1200" b="0" i="0" kern="1200" dirty="0" smtClean="0">
+                <a:solidFill>
+                  <a:schemeClr val="tx1"/>
+                </a:solidFill>
+                <a:effectLst/>
+                <a:latin typeface="+mn-lt"/>
+                <a:ea typeface="+mn-ea"/>
+                <a:cs typeface="+mn-cs"/>
+              </a:rPr>
+              <a:t>無</a:t>
+            </a:r>
+            <a:r>
+              <a:rPr lang="en-US" altLang="zh-TW" sz="1200" b="0" i="0" kern="1200" dirty="0" smtClean="0">
+                <a:solidFill>
+                  <a:schemeClr val="tx1"/>
+                </a:solidFill>
+                <a:effectLst/>
+                <a:latin typeface="+mn-lt"/>
+                <a:ea typeface="+mn-ea"/>
+                <a:cs typeface="+mn-cs"/>
+              </a:rPr>
+              <a:t>tag</a:t>
+            </a:r>
+            <a:r>
+              <a:rPr lang="zh-TW" altLang="en-US" sz="1200" b="0" i="0" kern="1200" dirty="0" smtClean="0">
+                <a:solidFill>
+                  <a:schemeClr val="tx1"/>
+                </a:solidFill>
+                <a:effectLst/>
+                <a:latin typeface="+mn-lt"/>
+                <a:ea typeface="+mn-ea"/>
+                <a:cs typeface="+mn-cs"/>
+              </a:rPr>
+              <a:t>的</a:t>
+            </a:r>
+            <a:r>
+              <a:rPr lang="en-US" altLang="zh-TW" sz="1200" b="0" i="0" kern="1200" dirty="0" smtClean="0">
+                <a:solidFill>
+                  <a:schemeClr val="tx1"/>
+                </a:solidFill>
+                <a:effectLst/>
+                <a:latin typeface="+mn-lt"/>
+                <a:ea typeface="+mn-ea"/>
+                <a:cs typeface="+mn-cs"/>
+              </a:rPr>
+              <a:t>)</a:t>
+            </a:r>
+            <a:r>
+              <a:rPr lang="en-US" altLang="zh-TW" dirty="0" smtClean="0"/>
+              <a:t>images</a:t>
+            </a:r>
+          </a:p>
+          <a:p>
+            <a:r>
+              <a:rPr lang="en-US" altLang="zh-TW" dirty="0" smtClean="0"/>
+              <a:t>  - all dangling build cache</a:t>
+            </a:r>
+          </a:p>
+          <a:p>
+            <a:endParaRPr lang="en-US" altLang="zh-TW" dirty="0" smtClean="0"/>
+          </a:p>
+          <a:p>
+            <a:r>
+              <a:rPr lang="en-US" altLang="zh-TW" smtClean="0"/>
+              <a:t>$</a:t>
+            </a:r>
+            <a:r>
+              <a:rPr lang="en-US" altLang="zh-TW" dirty="0" err="1" smtClean="0"/>
+              <a:t>docker</a:t>
+            </a:r>
+            <a:r>
+              <a:rPr lang="en-US" altLang="zh-TW" dirty="0" smtClean="0"/>
+              <a:t> system </a:t>
+            </a:r>
+            <a:r>
+              <a:rPr lang="en-US" altLang="zh-TW" dirty="0" err="1" smtClean="0"/>
+              <a:t>df</a:t>
+            </a:r>
+            <a:endParaRPr lang="en-US" altLang="zh-TW" dirty="0" smtClean="0"/>
+          </a:p>
+          <a:p>
+            <a:r>
+              <a:rPr lang="en-US" altLang="zh-TW" dirty="0" smtClean="0"/>
+              <a:t>TYPE                TOTAL               ACTIVE              SIZE                RECLAIMABLE</a:t>
+            </a:r>
+          </a:p>
+          <a:p>
+            <a:r>
+              <a:rPr lang="en-US" altLang="zh-TW" dirty="0" smtClean="0"/>
+              <a:t>Images              12                  0                   2.209GB             </a:t>
+            </a:r>
+            <a:r>
+              <a:rPr lang="en-US" altLang="zh-TW" dirty="0" err="1" smtClean="0"/>
+              <a:t>2.209GB</a:t>
+            </a:r>
+            <a:r>
+              <a:rPr lang="en-US" altLang="zh-TW" dirty="0" smtClean="0"/>
+              <a:t> (100%)</a:t>
+            </a:r>
+          </a:p>
+          <a:p>
+            <a:r>
+              <a:rPr lang="en-US" altLang="zh-TW" dirty="0" smtClean="0"/>
+              <a:t>Containers          0                   0                   0B                  </a:t>
+            </a:r>
+            <a:r>
+              <a:rPr lang="en-US" altLang="zh-TW" dirty="0" err="1" smtClean="0"/>
+              <a:t>0B</a:t>
+            </a:r>
+            <a:endParaRPr lang="en-US" altLang="zh-TW" dirty="0" smtClean="0"/>
+          </a:p>
+          <a:p>
+            <a:r>
+              <a:rPr lang="en-US" altLang="zh-TW" dirty="0" smtClean="0"/>
+              <a:t>Local Volumes       0                   0                   0B                  </a:t>
+            </a:r>
+            <a:r>
+              <a:rPr lang="en-US" altLang="zh-TW" dirty="0" err="1" smtClean="0"/>
+              <a:t>0B</a:t>
+            </a:r>
+            <a:endParaRPr lang="en-US" altLang="zh-TW" dirty="0" smtClean="0"/>
+          </a:p>
+          <a:p>
+            <a:r>
+              <a:rPr lang="en-US" altLang="zh-TW" dirty="0" smtClean="0"/>
+              <a:t>Build Cache         0                   0                   0B                  </a:t>
+            </a:r>
+            <a:r>
+              <a:rPr lang="en-US" altLang="zh-TW" dirty="0" err="1" smtClean="0"/>
+              <a:t>0B</a:t>
+            </a:r>
+            <a:endParaRPr lang="en-US" altLang="zh-TW" dirty="0" smtClean="0"/>
+          </a:p>
+          <a:p>
+            <a:endParaRPr lang="en-US" altLang="zh-TW" dirty="0" smtClean="0"/>
+          </a:p>
+          <a:p>
+            <a:endParaRPr lang="zh-TW" altLang="en-US" dirty="0"/>
+          </a:p>
+        </p:txBody>
+      </p:sp>
+      <p:sp>
+        <p:nvSpPr>
+          <p:cNvPr id="4" name="投影片編號版面配置區 3"/>
+          <p:cNvSpPr>
+            <a:spLocks noGrp="1"/>
+          </p:cNvSpPr>
+          <p:nvPr>
+            <p:ph type="sldNum" sz="quarter" idx="10"/>
+          </p:nvPr>
+        </p:nvSpPr>
+        <p:spPr/>
+        <p:txBody>
+          <a:bodyPr/>
+          <a:lstStyle/>
+          <a:p>
+            <a:fld id="{762C10F9-1313-4CC6-801B-630A787ADD62}" type="slidenum">
+              <a:rPr lang="zh-TW" altLang="en-US" smtClean="0"/>
+              <a:t>21</a:t>
+            </a:fld>
+            <a:endParaRPr lang="zh-TW" altLang="en-US"/>
+          </a:p>
+        </p:txBody>
+      </p:sp>
+    </p:spTree>
+    <p:extLst>
+      <p:ext uri="{BB962C8B-B14F-4D97-AF65-F5344CB8AC3E}">
+        <p14:creationId xmlns:p14="http://schemas.microsoft.com/office/powerpoint/2010/main" val="495149754"/>
+      </p:ext>
+    </p:extLst>
+  </p:cSld>
+  <p:clrMapOvr>
+    <a:masterClrMapping/>
+  </p:clrMapOvr>
+</p:notes>
+</file>
+
 <file path=ppt/notesSlides/notesSlide2.xml><?xml version="1.0" encoding="utf-8"?>
 <p:notes xmlns:a="http://schemas.openxmlformats.org/drawingml/2006/main" xmlns:r="http://schemas.openxmlformats.org/officeDocument/2006/relationships" xmlns:p="http://schemas.openxmlformats.org/presentationml/2006/main">
   <p:cSld>
@@ -2368,7 +2621,7 @@
                 <a:tabLst/>
                 <a:defRPr/>
               </a:pPr>
-              <a:t>2020/11/26</a:t>
+              <a:t>2020/11/27</a:t>
             </a:fld>
             <a:endParaRPr kumimoji="0" lang="zh-TW" altLang="en-US" sz="1200" b="0" i="0" u="none" strike="noStrike" kern="1200" cap="none" spc="0" normalizeH="0" baseline="0" noProof="0">
               <a:ln>
@@ -2603,7 +2856,7 @@
                 <a:tabLst/>
                 <a:defRPr/>
               </a:pPr>
-              <a:t>2020/11/26</a:t>
+              <a:t>2020/11/27</a:t>
             </a:fld>
             <a:endParaRPr kumimoji="0" lang="zh-TW" altLang="en-US" sz="1200" b="0" i="0" u="none" strike="noStrike" kern="1200" cap="none" spc="0" normalizeH="0" baseline="0" noProof="0">
               <a:ln>
@@ -2886,7 +3139,7 @@
                 <a:tabLst/>
                 <a:defRPr/>
               </a:pPr>
-              <a:t>2020/11/26</a:t>
+              <a:t>2020/11/27</a:t>
             </a:fld>
             <a:endParaRPr kumimoji="0" lang="zh-TW" altLang="en-US" sz="1200" b="0" i="0" u="none" strike="noStrike" kern="1200" cap="none" spc="0" normalizeH="0" baseline="0" noProof="0">
               <a:ln>
@@ -3169,7 +3422,7 @@
                 <a:tabLst/>
                 <a:defRPr/>
               </a:pPr>
-              <a:t>2020/11/26</a:t>
+              <a:t>2020/11/27</a:t>
             </a:fld>
             <a:endParaRPr kumimoji="0" lang="zh-TW" altLang="en-US" sz="1200" b="0" i="0" u="none" strike="noStrike" kern="1200" cap="none" spc="0" normalizeH="0" baseline="0" noProof="0">
               <a:ln>
@@ -3769,7 +4022,7 @@
           <a:p>
             <a:fld id="{1D8BD707-D9CF-40AE-B4C6-C98DA3205C09}" type="datetimeFigureOut">
               <a:rPr lang="en-US"/>
-              <a:t>11/26/2020</a:t>
+              <a:t>11/27/2020</a:t>
             </a:fld>
             <a:endParaRPr lang="en-US"/>
           </a:p>
@@ -5095,7 +5348,7 @@
           <a:p>
             <a:fld id="{1D8BD707-D9CF-40AE-B4C6-C98DA3205C09}" type="datetimeFigureOut">
               <a:rPr lang="en-US"/>
-              <a:t>11/26/2020</a:t>
+              <a:t>11/27/2020</a:t>
             </a:fld>
             <a:endParaRPr lang="en-US"/>
           </a:p>
@@ -5309,7 +5562,7 @@
           <a:p>
             <a:fld id="{1D8BD707-D9CF-40AE-B4C6-C98DA3205C09}" type="datetimeFigureOut">
               <a:rPr lang="en-US"/>
-              <a:t>11/26/2020</a:t>
+              <a:t>11/27/2020</a:t>
             </a:fld>
             <a:endParaRPr lang="en-US"/>
           </a:p>
@@ -5457,7 +5710,7 @@
           <a:p>
             <a:fld id="{1D8BD707-D9CF-40AE-B4C6-C98DA3205C09}" type="datetimeFigureOut">
               <a:rPr lang="en-US"/>
-              <a:t>11/26/2020</a:t>
+              <a:t>11/27/2020</a:t>
             </a:fld>
             <a:endParaRPr lang="en-US"/>
           </a:p>
@@ -5576,7 +5829,7 @@
           <a:p>
             <a:fld id="{1D8BD707-D9CF-40AE-B4C6-C98DA3205C09}" type="datetimeFigureOut">
               <a:rPr lang="en-US"/>
-              <a:t>11/26/2020</a:t>
+              <a:t>11/27/2020</a:t>
             </a:fld>
             <a:endParaRPr lang="en-US"/>
           </a:p>
@@ -6403,7 +6656,7 @@
           <a:p>
             <a:fld id="{1D8BD707-D9CF-40AE-B4C6-C98DA3205C09}" type="datetimeFigureOut">
               <a:rPr lang="en-US"/>
-              <a:t>11/26/2020</a:t>
+              <a:t>11/27/2020</a:t>
             </a:fld>
             <a:endParaRPr lang="en-US"/>
           </a:p>
@@ -12253,6 +12506,649 @@
     <p:extLst>
       <p:ext uri="{BB962C8B-B14F-4D97-AF65-F5344CB8AC3E}">
         <p14:creationId xmlns:p14="http://schemas.microsoft.com/office/powerpoint/2010/main" val="4223106687"/>
+      </p:ext>
+    </p:extLst>
+  </p:cSld>
+  <p:clrMapOvr>
+    <a:masterClrMapping/>
+  </p:clrMapOvr>
+  <p:timing>
+    <p:tnLst>
+      <p:par>
+        <p:cTn id="1" dur="indefinite" restart="never" nodeType="tmRoot"/>
+      </p:par>
+    </p:tnLst>
+  </p:timing>
+</p:sld>
+</file>
+
+<file path=ppt/slides/slide21.xml><?xml version="1.0" encoding="utf-8"?>
+<p:sld xmlns:a="http://schemas.openxmlformats.org/drawingml/2006/main" xmlns:r="http://schemas.openxmlformats.org/officeDocument/2006/relationships" xmlns:p="http://schemas.openxmlformats.org/presentationml/2006/main">
+  <p:cSld>
+    <p:spTree>
+      <p:nvGrpSpPr>
+        <p:cNvPr id="1" name=""/>
+        <p:cNvGrpSpPr/>
+        <p:nvPr/>
+      </p:nvGrpSpPr>
+      <p:grpSpPr>
+        <a:xfrm>
+          <a:off x="0" y="0"/>
+          <a:ext cx="0" cy="0"/>
+          <a:chOff x="0" y="0"/>
+          <a:chExt cx="0" cy="0"/>
+        </a:xfrm>
+      </p:grpSpPr>
+      <p:sp>
+        <p:nvSpPr>
+          <p:cNvPr id="8" name="object 8"/>
+          <p:cNvSpPr txBox="1"/>
+          <p:nvPr/>
+        </p:nvSpPr>
+        <p:spPr>
+          <a:xfrm>
+            <a:off x="101600" y="2806700"/>
+            <a:ext cx="12674600" cy="3482364"/>
+          </a:xfrm>
+          <a:prstGeom prst="rect">
+            <a:avLst/>
+          </a:prstGeom>
+          <a:solidFill>
+            <a:srgbClr val="182923"/>
+          </a:solidFill>
+        </p:spPr>
+        <p:txBody>
+          <a:bodyPr vert="horz" wrap="square" lIns="0" tIns="29845" rIns="0" bIns="0" rtlCol="0">
+            <a:spAutoFit/>
+          </a:bodyPr>
+          <a:lstStyle/>
+          <a:p>
+            <a:pPr marL="50165">
+              <a:lnSpc>
+                <a:spcPct val="100000"/>
+              </a:lnSpc>
+              <a:spcBef>
+                <a:spcPts val="235"/>
+              </a:spcBef>
+              <a:tabLst>
+                <a:tab pos="553085" algn="l"/>
+              </a:tabLst>
+            </a:pPr>
+            <a:r>
+              <a:rPr sz="3600" dirty="0" smtClean="0">
+                <a:solidFill>
+                  <a:srgbClr val="FFFFFF"/>
+                </a:solidFill>
+                <a:latin typeface="Consolas"/>
+                <a:cs typeface="Consolas"/>
+              </a:rPr>
+              <a:t>$</a:t>
+            </a:r>
+            <a:r>
+              <a:rPr lang="en-US" sz="3600" dirty="0" err="1" smtClean="0">
+                <a:solidFill>
+                  <a:schemeClr val="bg1"/>
+                </a:solidFill>
+                <a:latin typeface="Consolas"/>
+                <a:cs typeface="Consolas"/>
+              </a:rPr>
+              <a:t>docker</a:t>
+            </a:r>
+            <a:r>
+              <a:rPr lang="en-US" sz="3600" dirty="0" smtClean="0">
+                <a:solidFill>
+                  <a:schemeClr val="bg1"/>
+                </a:solidFill>
+                <a:latin typeface="Consolas"/>
+                <a:cs typeface="Consolas"/>
+              </a:rPr>
+              <a:t> </a:t>
+            </a:r>
+            <a:r>
+              <a:rPr lang="en-US" sz="3600" dirty="0" smtClean="0">
+                <a:solidFill>
+                  <a:schemeClr val="tx2">
+                    <a:lumMod val="60000"/>
+                    <a:lumOff val="40000"/>
+                  </a:schemeClr>
+                </a:solidFill>
+                <a:latin typeface="Consolas"/>
+                <a:cs typeface="Consolas"/>
+              </a:rPr>
+              <a:t>image</a:t>
+            </a:r>
+            <a:r>
+              <a:rPr lang="en-US" sz="3600" dirty="0" smtClean="0">
+                <a:solidFill>
+                  <a:schemeClr val="bg1"/>
+                </a:solidFill>
+                <a:latin typeface="Consolas"/>
+                <a:cs typeface="Consolas"/>
+              </a:rPr>
+              <a:t> </a:t>
+            </a:r>
+            <a:r>
+              <a:rPr lang="en-US" sz="3600" dirty="0" smtClean="0">
+                <a:solidFill>
+                  <a:srgbClr val="FF0000"/>
+                </a:solidFill>
+                <a:latin typeface="Consolas"/>
+                <a:cs typeface="Consolas"/>
+              </a:rPr>
+              <a:t>prune</a:t>
+            </a:r>
+          </a:p>
+          <a:p>
+            <a:pPr marL="50165">
+              <a:lnSpc>
+                <a:spcPct val="100000"/>
+              </a:lnSpc>
+              <a:spcBef>
+                <a:spcPts val="235"/>
+              </a:spcBef>
+              <a:tabLst>
+                <a:tab pos="553085" algn="l"/>
+              </a:tabLst>
+            </a:pPr>
+            <a:r>
+              <a:rPr lang="en-US" altLang="zh-TW" sz="3600" dirty="0" smtClean="0">
+                <a:solidFill>
+                  <a:schemeClr val="bg1"/>
+                </a:solidFill>
+                <a:latin typeface="Consolas"/>
+                <a:cs typeface="Consolas"/>
+              </a:rPr>
+              <a:t>$</a:t>
+            </a:r>
+            <a:r>
+              <a:rPr lang="en-US" sz="3600" dirty="0" err="1" smtClean="0">
+                <a:solidFill>
+                  <a:schemeClr val="bg1"/>
+                </a:solidFill>
+                <a:latin typeface="Consolas"/>
+                <a:cs typeface="Consolas"/>
+              </a:rPr>
+              <a:t>docker</a:t>
+            </a:r>
+            <a:r>
+              <a:rPr lang="en-US" sz="3600" dirty="0" smtClean="0">
+                <a:solidFill>
+                  <a:schemeClr val="bg1"/>
+                </a:solidFill>
+                <a:latin typeface="Consolas"/>
+                <a:cs typeface="Consolas"/>
+              </a:rPr>
+              <a:t> </a:t>
+            </a:r>
+            <a:r>
+              <a:rPr lang="en-US" sz="3600" dirty="0">
+                <a:solidFill>
+                  <a:schemeClr val="tx2">
+                    <a:lumMod val="60000"/>
+                    <a:lumOff val="40000"/>
+                  </a:schemeClr>
+                </a:solidFill>
+                <a:latin typeface="Consolas"/>
+                <a:cs typeface="Consolas"/>
+              </a:rPr>
+              <a:t>builder</a:t>
+            </a:r>
+            <a:r>
+              <a:rPr lang="en-US" sz="3600" dirty="0">
+                <a:solidFill>
+                  <a:srgbClr val="FF0000"/>
+                </a:solidFill>
+                <a:latin typeface="Consolas"/>
+                <a:cs typeface="Consolas"/>
+              </a:rPr>
+              <a:t> </a:t>
+            </a:r>
+            <a:r>
+              <a:rPr lang="en-US" sz="3600" dirty="0" smtClean="0">
+                <a:solidFill>
+                  <a:srgbClr val="FF0000"/>
+                </a:solidFill>
+                <a:latin typeface="Consolas"/>
+                <a:cs typeface="Consolas"/>
+              </a:rPr>
+              <a:t>prune</a:t>
+            </a:r>
+          </a:p>
+          <a:p>
+            <a:pPr marL="50165">
+              <a:lnSpc>
+                <a:spcPct val="100000"/>
+              </a:lnSpc>
+              <a:spcBef>
+                <a:spcPts val="235"/>
+              </a:spcBef>
+              <a:tabLst>
+                <a:tab pos="553085" algn="l"/>
+              </a:tabLst>
+            </a:pPr>
+            <a:r>
+              <a:rPr lang="en-US" altLang="zh-TW" sz="3600" dirty="0">
+                <a:solidFill>
+                  <a:schemeClr val="bg1"/>
+                </a:solidFill>
+                <a:latin typeface="Consolas"/>
+                <a:cs typeface="Consolas"/>
+              </a:rPr>
+              <a:t>$</a:t>
+            </a:r>
+            <a:r>
+              <a:rPr lang="en-US" altLang="zh-TW" sz="3600" dirty="0" err="1">
+                <a:solidFill>
+                  <a:schemeClr val="bg1"/>
+                </a:solidFill>
+                <a:latin typeface="Consolas"/>
+                <a:cs typeface="Consolas"/>
+              </a:rPr>
+              <a:t>docker</a:t>
+            </a:r>
+            <a:r>
+              <a:rPr lang="en-US" altLang="zh-TW" sz="3600" dirty="0">
+                <a:solidFill>
+                  <a:schemeClr val="bg1"/>
+                </a:solidFill>
+                <a:latin typeface="Consolas"/>
+                <a:cs typeface="Consolas"/>
+              </a:rPr>
+              <a:t> </a:t>
+            </a:r>
+            <a:r>
+              <a:rPr lang="en-US" altLang="zh-TW" sz="3600" dirty="0" smtClean="0">
+                <a:solidFill>
+                  <a:schemeClr val="tx2">
+                    <a:lumMod val="60000"/>
+                    <a:lumOff val="40000"/>
+                  </a:schemeClr>
+                </a:solidFill>
+                <a:latin typeface="Consolas"/>
+                <a:cs typeface="Consolas"/>
+              </a:rPr>
+              <a:t>network</a:t>
+            </a:r>
+            <a:r>
+              <a:rPr lang="en-US" altLang="zh-TW" sz="3600" dirty="0" smtClean="0">
+                <a:solidFill>
+                  <a:srgbClr val="FF0000"/>
+                </a:solidFill>
+                <a:latin typeface="Consolas"/>
+                <a:cs typeface="Consolas"/>
+              </a:rPr>
+              <a:t> </a:t>
+            </a:r>
+            <a:r>
+              <a:rPr lang="en-US" altLang="zh-TW" sz="3600" dirty="0">
+                <a:solidFill>
+                  <a:srgbClr val="FF0000"/>
+                </a:solidFill>
+                <a:latin typeface="Consolas"/>
+                <a:cs typeface="Consolas"/>
+              </a:rPr>
+              <a:t>prune</a:t>
+            </a:r>
+            <a:endParaRPr lang="en-US" sz="3600" dirty="0" smtClean="0">
+              <a:solidFill>
+                <a:srgbClr val="FF0000"/>
+              </a:solidFill>
+              <a:latin typeface="Consolas"/>
+              <a:cs typeface="Consolas"/>
+            </a:endParaRPr>
+          </a:p>
+          <a:p>
+            <a:pPr marL="50165">
+              <a:spcBef>
+                <a:spcPts val="235"/>
+              </a:spcBef>
+              <a:tabLst>
+                <a:tab pos="553085" algn="l"/>
+              </a:tabLst>
+            </a:pPr>
+            <a:r>
+              <a:rPr lang="en-US" altLang="zh-TW" sz="3600" dirty="0">
+                <a:solidFill>
+                  <a:srgbClr val="FFFFFF"/>
+                </a:solidFill>
+                <a:latin typeface="Consolas"/>
+                <a:cs typeface="Consolas"/>
+              </a:rPr>
+              <a:t>$</a:t>
+            </a:r>
+            <a:r>
+              <a:rPr lang="en-US" altLang="zh-TW" sz="3600" dirty="0" err="1">
+                <a:solidFill>
+                  <a:schemeClr val="bg1"/>
+                </a:solidFill>
+                <a:latin typeface="Consolas"/>
+                <a:cs typeface="Consolas"/>
+              </a:rPr>
+              <a:t>docker</a:t>
+            </a:r>
+            <a:r>
+              <a:rPr lang="en-US" altLang="zh-TW" sz="3600" dirty="0">
+                <a:solidFill>
+                  <a:schemeClr val="bg1"/>
+                </a:solidFill>
+                <a:latin typeface="Consolas"/>
+                <a:cs typeface="Consolas"/>
+              </a:rPr>
+              <a:t> </a:t>
+            </a:r>
+            <a:r>
+              <a:rPr lang="en-US" altLang="zh-TW" sz="3600" dirty="0" smtClean="0">
+                <a:solidFill>
+                  <a:schemeClr val="tx2">
+                    <a:lumMod val="60000"/>
+                    <a:lumOff val="40000"/>
+                  </a:schemeClr>
+                </a:solidFill>
+                <a:latin typeface="Consolas"/>
+                <a:cs typeface="Consolas"/>
+              </a:rPr>
+              <a:t>volume</a:t>
+            </a:r>
+            <a:r>
+              <a:rPr lang="en-US" altLang="zh-TW" sz="3600" dirty="0" smtClean="0">
+                <a:solidFill>
+                  <a:schemeClr val="bg1"/>
+                </a:solidFill>
+                <a:latin typeface="Consolas"/>
+                <a:cs typeface="Consolas"/>
+              </a:rPr>
+              <a:t> </a:t>
+            </a:r>
+            <a:r>
+              <a:rPr lang="en-US" altLang="zh-TW" sz="3600" dirty="0" smtClean="0">
+                <a:solidFill>
+                  <a:srgbClr val="FF0000"/>
+                </a:solidFill>
+                <a:latin typeface="Consolas"/>
+                <a:cs typeface="Consolas"/>
+              </a:rPr>
+              <a:t>prune (</a:t>
+            </a:r>
+            <a:r>
+              <a:rPr lang="zh-TW" altLang="en-US" sz="3600" dirty="0" smtClean="0">
+                <a:solidFill>
+                  <a:srgbClr val="FF0000"/>
+                </a:solidFill>
+                <a:latin typeface="Consolas"/>
+                <a:cs typeface="Consolas"/>
+              </a:rPr>
+              <a:t>小心</a:t>
+            </a:r>
+            <a:r>
+              <a:rPr lang="en-US" altLang="zh-TW" sz="3600" dirty="0" smtClean="0">
+                <a:solidFill>
+                  <a:srgbClr val="FF0000"/>
+                </a:solidFill>
+                <a:latin typeface="Consolas"/>
+                <a:cs typeface="Consolas"/>
+              </a:rPr>
+              <a:t>!!)</a:t>
+            </a:r>
+          </a:p>
+          <a:p>
+            <a:pPr marL="50165">
+              <a:spcBef>
+                <a:spcPts val="235"/>
+              </a:spcBef>
+              <a:tabLst>
+                <a:tab pos="553085" algn="l"/>
+              </a:tabLst>
+            </a:pPr>
+            <a:r>
+              <a:rPr lang="en-US" altLang="zh-TW" sz="3600" dirty="0">
+                <a:solidFill>
+                  <a:srgbClr val="FFFFFF"/>
+                </a:solidFill>
+                <a:latin typeface="Consolas"/>
+                <a:cs typeface="Consolas"/>
+              </a:rPr>
+              <a:t>$</a:t>
+            </a:r>
+            <a:r>
+              <a:rPr lang="en-US" altLang="zh-TW" sz="3600" dirty="0" err="1">
+                <a:solidFill>
+                  <a:schemeClr val="bg1"/>
+                </a:solidFill>
+                <a:latin typeface="Consolas"/>
+                <a:cs typeface="Consolas"/>
+              </a:rPr>
+              <a:t>docker</a:t>
+            </a:r>
+            <a:r>
+              <a:rPr lang="en-US" altLang="zh-TW" sz="3600" dirty="0">
+                <a:solidFill>
+                  <a:schemeClr val="bg1"/>
+                </a:solidFill>
+                <a:latin typeface="Consolas"/>
+                <a:cs typeface="Consolas"/>
+              </a:rPr>
+              <a:t> </a:t>
+            </a:r>
+            <a:r>
+              <a:rPr lang="en-US" altLang="zh-TW" sz="3600" dirty="0" smtClean="0">
+                <a:solidFill>
+                  <a:schemeClr val="tx2">
+                    <a:lumMod val="60000"/>
+                    <a:lumOff val="40000"/>
+                  </a:schemeClr>
+                </a:solidFill>
+                <a:latin typeface="Consolas"/>
+                <a:cs typeface="Consolas"/>
+              </a:rPr>
+              <a:t>system</a:t>
+            </a:r>
+            <a:r>
+              <a:rPr lang="en-US" altLang="zh-TW" sz="3600" dirty="0" smtClean="0">
+                <a:solidFill>
+                  <a:schemeClr val="bg1"/>
+                </a:solidFill>
+                <a:latin typeface="Consolas"/>
+                <a:cs typeface="Consolas"/>
+              </a:rPr>
+              <a:t> </a:t>
+            </a:r>
+            <a:r>
+              <a:rPr lang="en-US" altLang="zh-TW" sz="3600" dirty="0" smtClean="0">
+                <a:solidFill>
+                  <a:srgbClr val="FF0000"/>
+                </a:solidFill>
+                <a:latin typeface="Consolas"/>
+                <a:cs typeface="Consolas"/>
+              </a:rPr>
+              <a:t>prune</a:t>
+            </a:r>
+            <a:r>
+              <a:rPr lang="en-US" altLang="zh-TW" sz="3600" dirty="0">
+                <a:solidFill>
+                  <a:srgbClr val="FF0000"/>
+                </a:solidFill>
+                <a:latin typeface="Consolas"/>
+                <a:cs typeface="Consolas"/>
+              </a:rPr>
+              <a:t> (</a:t>
+            </a:r>
+            <a:r>
+              <a:rPr lang="zh-TW" altLang="en-US" sz="3600" dirty="0">
+                <a:solidFill>
+                  <a:srgbClr val="FF0000"/>
+                </a:solidFill>
+                <a:latin typeface="Consolas"/>
+                <a:cs typeface="Consolas"/>
+              </a:rPr>
+              <a:t>小心</a:t>
+            </a:r>
+            <a:r>
+              <a:rPr lang="en-US" altLang="zh-TW" sz="3600" dirty="0">
+                <a:solidFill>
+                  <a:srgbClr val="FF0000"/>
+                </a:solidFill>
+                <a:latin typeface="Consolas"/>
+                <a:cs typeface="Consolas"/>
+              </a:rPr>
+              <a:t>!!)</a:t>
+            </a:r>
+          </a:p>
+          <a:p>
+            <a:pPr marL="50165">
+              <a:lnSpc>
+                <a:spcPct val="100000"/>
+              </a:lnSpc>
+              <a:spcBef>
+                <a:spcPts val="235"/>
+              </a:spcBef>
+              <a:tabLst>
+                <a:tab pos="553085" algn="l"/>
+              </a:tabLst>
+            </a:pPr>
+            <a:r>
+              <a:rPr lang="en-US" sz="3600" dirty="0" smtClean="0">
+                <a:solidFill>
+                  <a:schemeClr val="bg1"/>
+                </a:solidFill>
+                <a:latin typeface="Consolas"/>
+                <a:cs typeface="Consolas"/>
+              </a:rPr>
+              <a:t>$</a:t>
+            </a:r>
+            <a:r>
+              <a:rPr lang="en-US" sz="3600" dirty="0" err="1">
+                <a:solidFill>
+                  <a:schemeClr val="bg1"/>
+                </a:solidFill>
+                <a:latin typeface="Consolas"/>
+                <a:cs typeface="Consolas"/>
+              </a:rPr>
+              <a:t>docker</a:t>
+            </a:r>
+            <a:r>
+              <a:rPr lang="en-US" sz="3600" dirty="0">
+                <a:solidFill>
+                  <a:schemeClr val="bg1"/>
+                </a:solidFill>
+                <a:latin typeface="Consolas"/>
+                <a:cs typeface="Consolas"/>
+              </a:rPr>
+              <a:t> </a:t>
+            </a:r>
+            <a:r>
+              <a:rPr lang="en-US" altLang="zh-TW" sz="3600" dirty="0" smtClean="0">
+                <a:solidFill>
+                  <a:schemeClr val="tx2">
+                    <a:lumMod val="60000"/>
+                    <a:lumOff val="40000"/>
+                  </a:schemeClr>
+                </a:solidFill>
+                <a:latin typeface="Consolas"/>
+                <a:cs typeface="Consolas"/>
+              </a:rPr>
+              <a:t>system</a:t>
+            </a:r>
+            <a:r>
+              <a:rPr lang="en-US" altLang="zh-TW" sz="3600" dirty="0" smtClean="0">
+                <a:solidFill>
+                  <a:schemeClr val="bg1"/>
+                </a:solidFill>
+                <a:latin typeface="Consolas"/>
+                <a:cs typeface="Consolas"/>
+              </a:rPr>
+              <a:t> </a:t>
+            </a:r>
+            <a:r>
+              <a:rPr lang="en-US" altLang="zh-TW" sz="3600" dirty="0" err="1" smtClean="0">
+                <a:solidFill>
+                  <a:srgbClr val="FF0000"/>
+                </a:solidFill>
+                <a:latin typeface="Consolas"/>
+                <a:cs typeface="Consolas"/>
+              </a:rPr>
+              <a:t>df</a:t>
+            </a:r>
+            <a:endParaRPr sz="3600" dirty="0">
+              <a:solidFill>
+                <a:schemeClr val="bg1"/>
+              </a:solidFill>
+              <a:latin typeface="Consolas"/>
+              <a:cs typeface="Consolas"/>
+            </a:endParaRPr>
+          </a:p>
+        </p:txBody>
+      </p:sp>
+      <p:sp>
+        <p:nvSpPr>
+          <p:cNvPr id="6" name="object 5"/>
+          <p:cNvSpPr txBox="1">
+            <a:spLocks/>
+          </p:cNvSpPr>
+          <p:nvPr/>
+        </p:nvSpPr>
+        <p:spPr>
+          <a:xfrm>
+            <a:off x="1778000" y="903391"/>
+            <a:ext cx="9655423" cy="936154"/>
+          </a:xfrm>
+          <a:prstGeom prst="rect">
+            <a:avLst/>
+          </a:prstGeom>
+        </p:spPr>
+        <p:txBody>
+          <a:bodyPr vert="horz" wrap="square" lIns="0" tIns="12700" rIns="0" bIns="0" rtlCol="0">
+            <a:spAutoFit/>
+          </a:bodyPr>
+          <a:lstStyle>
+            <a:lvl1pPr>
+              <a:defRPr sz="2600" b="1" i="0">
+                <a:solidFill>
+                  <a:srgbClr val="0365C0"/>
+                </a:solidFill>
+                <a:latin typeface="Arial"/>
+                <a:ea typeface="+mj-ea"/>
+                <a:cs typeface="Arial"/>
+              </a:defRPr>
+            </a:lvl1pPr>
+          </a:lstStyle>
+          <a:p>
+            <a:pPr marL="38100" algn="ctr">
+              <a:spcBef>
+                <a:spcPts val="100"/>
+              </a:spcBef>
+            </a:pPr>
+            <a:r>
+              <a:rPr lang="zh-TW" altLang="en-US" sz="6000" kern="0" dirty="0" smtClean="0">
+                <a:latin typeface="Microsoft JhengHei"/>
+                <a:cs typeface="Microsoft JhengHei"/>
+              </a:rPr>
+              <a:t>清除</a:t>
+            </a:r>
+            <a:r>
+              <a:rPr lang="en-US" altLang="zh-TW" sz="6000" kern="0" dirty="0" smtClean="0">
+                <a:latin typeface="Microsoft JhengHei"/>
+                <a:cs typeface="Microsoft JhengHei"/>
+              </a:rPr>
+              <a:t>Docker</a:t>
+            </a:r>
+            <a:r>
+              <a:rPr lang="zh-TW" altLang="en-US" sz="6000" kern="0" dirty="0" smtClean="0">
+                <a:latin typeface="Microsoft JhengHei"/>
+                <a:cs typeface="Microsoft JhengHei"/>
+              </a:rPr>
+              <a:t>不用的東東</a:t>
+            </a:r>
+            <a:endParaRPr lang="zh-TW" altLang="en-US" sz="6000" kern="0" dirty="0">
+              <a:latin typeface="Microsoft JhengHei"/>
+              <a:cs typeface="Microsoft JhengHei"/>
+            </a:endParaRPr>
+          </a:p>
+        </p:txBody>
+      </p:sp>
+    </p:spTree>
+    <p:extLst>
+      <p:ext uri="{BB962C8B-B14F-4D97-AF65-F5344CB8AC3E}">
+        <p14:creationId xmlns:p14="http://schemas.microsoft.com/office/powerpoint/2010/main" val="4004131020"/>
       </p:ext>
     </p:extLst>
   </p:cSld>

--- a/Docker基礎.pptx
+++ b/Docker基礎.pptx
@@ -6,7 +6,7 @@
     <p:sldMasterId id="2147483666" r:id="rId2"/>
   </p:sldMasterIdLst>
   <p:notesMasterIdLst>
-    <p:notesMasterId r:id="rId24"/>
+    <p:notesMasterId r:id="rId27"/>
   </p:notesMasterIdLst>
   <p:sldIdLst>
     <p:sldId id="256" r:id="rId3"/>
@@ -30,6 +30,9 @@
     <p:sldId id="354" r:id="rId21"/>
     <p:sldId id="355" r:id="rId22"/>
     <p:sldId id="356" r:id="rId23"/>
+    <p:sldId id="357" r:id="rId24"/>
+    <p:sldId id="358" r:id="rId25"/>
+    <p:sldId id="359" r:id="rId26"/>
   </p:sldIdLst>
   <p:sldSz cx="13004800" cy="9753600"/>
   <p:notesSz cx="13004800" cy="9753600"/>
@@ -229,7 +232,7 @@
           <a:p>
             <a:fld id="{B7112B30-5644-497D-BEB2-D50DC512D3D8}" type="datetimeFigureOut">
               <a:rPr lang="zh-TW" altLang="en-US" smtClean="0"/>
-              <a:t>2020/11/27</a:t>
+              <a:t>2020/11/30</a:t>
             </a:fld>
             <a:endParaRPr lang="zh-TW" altLang="en-US"/>
           </a:p>
@@ -2621,7 +2624,7 @@
                 <a:tabLst/>
                 <a:defRPr/>
               </a:pPr>
-              <a:t>2020/11/27</a:t>
+              <a:t>2020/11/30</a:t>
             </a:fld>
             <a:endParaRPr kumimoji="0" lang="zh-TW" altLang="en-US" sz="1200" b="0" i="0" u="none" strike="noStrike" kern="1200" cap="none" spc="0" normalizeH="0" baseline="0" noProof="0">
               <a:ln>
@@ -2727,6 +2730,1993 @@
     <p:extLst>
       <p:ext uri="{BB962C8B-B14F-4D97-AF65-F5344CB8AC3E}">
         <p14:creationId xmlns:p14="http://schemas.microsoft.com/office/powerpoint/2010/main" val="1227560774"/>
+      </p:ext>
+    </p:extLst>
+  </p:cSld>
+  <p:clrMapOvr>
+    <a:masterClrMapping/>
+  </p:clrMapOvr>
+</p:notes>
+</file>
+
+<file path=ppt/notesSlides/notesSlide20.xml><?xml version="1.0" encoding="utf-8"?>
+<p:notes xmlns:a="http://schemas.openxmlformats.org/drawingml/2006/main" xmlns:r="http://schemas.openxmlformats.org/officeDocument/2006/relationships" xmlns:p="http://schemas.openxmlformats.org/presentationml/2006/main">
+  <p:cSld>
+    <p:spTree>
+      <p:nvGrpSpPr>
+        <p:cNvPr id="1" name=""/>
+        <p:cNvGrpSpPr/>
+        <p:nvPr/>
+      </p:nvGrpSpPr>
+      <p:grpSpPr>
+        <a:xfrm>
+          <a:off x="0" y="0"/>
+          <a:ext cx="0" cy="0"/>
+          <a:chOff x="0" y="0"/>
+          <a:chExt cx="0" cy="0"/>
+        </a:xfrm>
+      </p:grpSpPr>
+      <p:sp>
+        <p:nvSpPr>
+          <p:cNvPr id="2" name="投影片圖像版面配置區 1"/>
+          <p:cNvSpPr>
+            <a:spLocks noGrp="1" noRot="1" noChangeAspect="1"/>
+          </p:cNvSpPr>
+          <p:nvPr>
+            <p:ph type="sldImg"/>
+          </p:nvPr>
+        </p:nvSpPr>
+        <p:spPr/>
+      </p:sp>
+      <p:sp>
+        <p:nvSpPr>
+          <p:cNvPr id="3" name="備忘稿版面配置區 2"/>
+          <p:cNvSpPr>
+            <a:spLocks noGrp="1"/>
+          </p:cNvSpPr>
+          <p:nvPr>
+            <p:ph type="body" idx="1"/>
+          </p:nvPr>
+        </p:nvSpPr>
+        <p:spPr/>
+        <p:txBody>
+          <a:bodyPr/>
+          <a:lstStyle/>
+          <a:p>
+            <a:endParaRPr lang="en-US" altLang="zh-TW" dirty="0" smtClean="0"/>
+          </a:p>
+          <a:p>
+            <a:pPr marL="171450" indent="-171450">
+              <a:buFont typeface="Arial" panose="020B0604020202020204" pitchFamily="34" charset="0"/>
+              <a:buChar char="•"/>
+            </a:pPr>
+            <a:r>
+              <a:rPr lang="en-US" altLang="zh-TW" sz="1200" b="0" i="0" kern="1200" dirty="0" smtClean="0">
+                <a:solidFill>
+                  <a:schemeClr val="tx1"/>
+                </a:solidFill>
+                <a:effectLst/>
+                <a:latin typeface="+mn-lt"/>
+                <a:ea typeface="+mn-ea"/>
+                <a:cs typeface="+mn-cs"/>
+              </a:rPr>
+              <a:t>To view logs in real time, </a:t>
+            </a:r>
+            <a:r>
+              <a:rPr lang="en-US" altLang="zh-TW" dirty="0" smtClean="0"/>
+              <a:t>-f</a:t>
+            </a:r>
+            <a:r>
+              <a:rPr lang="en-US" altLang="zh-TW" sz="1200" b="0" i="0" kern="1200" dirty="0" smtClean="0">
+                <a:solidFill>
+                  <a:schemeClr val="tx1"/>
+                </a:solidFill>
+                <a:effectLst/>
+                <a:latin typeface="+mn-lt"/>
+                <a:ea typeface="+mn-ea"/>
+                <a:cs typeface="+mn-cs"/>
+              </a:rPr>
+              <a:t> (</a:t>
+            </a:r>
+            <a:r>
+              <a:rPr lang="en-US" altLang="zh-TW" dirty="0" smtClean="0"/>
+              <a:t>--follow</a:t>
+            </a:r>
+            <a:r>
+              <a:rPr lang="en-US" altLang="zh-TW" sz="1200" b="0" i="0" kern="1200" dirty="0" smtClean="0">
+                <a:solidFill>
+                  <a:schemeClr val="tx1"/>
+                </a:solidFill>
+                <a:effectLst/>
+                <a:latin typeface="+mn-lt"/>
+                <a:ea typeface="+mn-ea"/>
+                <a:cs typeface="+mn-cs"/>
+              </a:rPr>
+              <a:t>) continues streaming the new output that container provides.</a:t>
+            </a:r>
+            <a:endParaRPr lang="en-US" altLang="zh-TW" dirty="0" smtClean="0"/>
+          </a:p>
+          <a:p>
+            <a:r>
+              <a:rPr lang="en-US" altLang="zh-TW" dirty="0" smtClean="0"/>
+              <a:t>$</a:t>
+            </a:r>
+            <a:r>
+              <a:rPr lang="en-US" altLang="zh-TW" dirty="0" err="1" smtClean="0"/>
+              <a:t>docker</a:t>
+            </a:r>
+            <a:r>
+              <a:rPr lang="en-US" altLang="zh-TW" dirty="0" smtClean="0"/>
+              <a:t> container logs -f </a:t>
+            </a:r>
+            <a:r>
+              <a:rPr lang="en-US" altLang="zh-TW" dirty="0" err="1" smtClean="0"/>
+              <a:t>nginx</a:t>
+            </a:r>
+            <a:r>
+              <a:rPr lang="en-US" altLang="zh-TW" dirty="0" smtClean="0"/>
+              <a:t>-test</a:t>
+            </a:r>
+          </a:p>
+          <a:p>
+            <a:endParaRPr lang="en-US" altLang="zh-TW" dirty="0" smtClean="0"/>
+          </a:p>
+          <a:p>
+            <a:pPr marL="171450" indent="-171450">
+              <a:buFont typeface="Arial" panose="020B0604020202020204" pitchFamily="34" charset="0"/>
+              <a:buChar char="•"/>
+            </a:pPr>
+            <a:r>
+              <a:rPr lang="en-US" altLang="zh-TW" sz="1200" b="0" i="0" kern="1200" dirty="0" smtClean="0">
+                <a:solidFill>
+                  <a:schemeClr val="tx1"/>
+                </a:solidFill>
+                <a:effectLst/>
+                <a:latin typeface="+mn-lt"/>
+                <a:ea typeface="+mn-ea"/>
+                <a:cs typeface="+mn-cs"/>
+              </a:rPr>
+              <a:t>The </a:t>
+            </a:r>
+            <a:r>
+              <a:rPr lang="en-US" altLang="zh-TW" dirty="0" smtClean="0"/>
+              <a:t>top</a:t>
+            </a:r>
+            <a:r>
+              <a:rPr lang="en-US" altLang="zh-TW" sz="1200" b="0" i="0" kern="1200" dirty="0" smtClean="0">
+                <a:solidFill>
+                  <a:schemeClr val="tx1"/>
+                </a:solidFill>
+                <a:effectLst/>
+                <a:latin typeface="+mn-lt"/>
+                <a:ea typeface="+mn-ea"/>
+                <a:cs typeface="+mn-cs"/>
+              </a:rPr>
+              <a:t> command lists the processes running within a container.</a:t>
+            </a:r>
+          </a:p>
+          <a:p>
+            <a:pPr marL="0" indent="0">
+              <a:buFont typeface="Arial" panose="020B0604020202020204" pitchFamily="34" charset="0"/>
+              <a:buNone/>
+            </a:pPr>
+            <a:r>
+              <a:rPr lang="en-US" altLang="zh-TW" dirty="0" smtClean="0"/>
+              <a:t>$</a:t>
+            </a:r>
+            <a:r>
+              <a:rPr lang="en-US" altLang="zh-TW" dirty="0" err="1" smtClean="0"/>
+              <a:t>docker</a:t>
+            </a:r>
+            <a:r>
+              <a:rPr lang="en-US" altLang="zh-TW" dirty="0" smtClean="0"/>
+              <a:t> top test-</a:t>
+            </a:r>
+            <a:r>
+              <a:rPr lang="en-US" altLang="zh-TW" dirty="0" err="1" smtClean="0"/>
+              <a:t>nginx</a:t>
+            </a:r>
+            <a:endParaRPr lang="en-US" altLang="zh-TW" dirty="0" smtClean="0"/>
+          </a:p>
+          <a:p>
+            <a:pPr marL="0" indent="0">
+              <a:buFont typeface="Arial" panose="020B0604020202020204" pitchFamily="34" charset="0"/>
+              <a:buNone/>
+            </a:pPr>
+            <a:endParaRPr lang="en-US" altLang="zh-TW" dirty="0" smtClean="0"/>
+          </a:p>
+          <a:p>
+            <a:pPr marL="171450" indent="-171450">
+              <a:buFont typeface="Arial" panose="020B0604020202020204" pitchFamily="34" charset="0"/>
+              <a:buChar char="•"/>
+            </a:pPr>
+            <a:r>
+              <a:rPr lang="en-US" altLang="zh-TW" sz="1200" b="0" i="0" kern="1200" dirty="0" smtClean="0">
+                <a:solidFill>
+                  <a:schemeClr val="tx1"/>
+                </a:solidFill>
+                <a:effectLst/>
+                <a:latin typeface="+mn-lt"/>
+                <a:ea typeface="+mn-ea"/>
+                <a:cs typeface="+mn-cs"/>
+              </a:rPr>
+              <a:t>Display a live stream of container(s) resource usage statistics.</a:t>
+            </a:r>
+          </a:p>
+          <a:p>
+            <a:pPr marL="0" indent="0">
+              <a:buFontTx/>
+              <a:buNone/>
+            </a:pPr>
+            <a:r>
+              <a:rPr lang="en-US" altLang="zh-TW" dirty="0" smtClean="0"/>
+              <a:t>$</a:t>
+            </a:r>
+            <a:r>
+              <a:rPr lang="en-US" altLang="zh-TW" dirty="0" err="1" smtClean="0"/>
+              <a:t>docker</a:t>
+            </a:r>
+            <a:r>
+              <a:rPr lang="en-US" altLang="zh-TW" dirty="0" smtClean="0"/>
+              <a:t> stats test-</a:t>
+            </a:r>
+            <a:r>
+              <a:rPr lang="en-US" altLang="zh-TW" dirty="0" err="1" smtClean="0"/>
+              <a:t>nginx</a:t>
+            </a:r>
+            <a:endParaRPr lang="en-US" altLang="zh-TW" dirty="0" smtClean="0"/>
+          </a:p>
+          <a:p>
+            <a:pPr marL="0" indent="0">
+              <a:buFontTx/>
+              <a:buNone/>
+            </a:pPr>
+            <a:endParaRPr lang="en-US" altLang="zh-TW" dirty="0" smtClean="0"/>
+          </a:p>
+          <a:p>
+            <a:pPr marL="171450" marR="0" lvl="0" indent="-171450" algn="l" defTabSz="914400" rtl="0" eaLnBrk="1" fontAlgn="auto" latinLnBrk="0" hangingPunct="1">
+              <a:lnSpc>
+                <a:spcPct val="100000"/>
+              </a:lnSpc>
+              <a:spcBef>
+                <a:spcPts val="0"/>
+              </a:spcBef>
+              <a:spcAft>
+                <a:spcPts val="0"/>
+              </a:spcAft>
+              <a:buClrTx/>
+              <a:buSzTx/>
+              <a:buFont typeface="Arial" panose="020B0604020202020204" pitchFamily="34" charset="0"/>
+              <a:buChar char="•"/>
+              <a:tabLst/>
+              <a:defRPr/>
+            </a:pPr>
+            <a:r>
+              <a:rPr lang="en-US" altLang="zh-TW" sz="1200" b="0" i="0" kern="1200" dirty="0" smtClean="0">
+                <a:solidFill>
+                  <a:schemeClr val="tx1"/>
+                </a:solidFill>
+                <a:effectLst/>
+                <a:latin typeface="+mn-lt"/>
+                <a:ea typeface="+mn-ea"/>
+                <a:cs typeface="+mn-cs"/>
+              </a:rPr>
+              <a:t>Resource limitation for a </a:t>
+            </a:r>
+            <a:r>
+              <a:rPr lang="en-US" altLang="zh-TW" sz="1200" b="0" i="0" kern="1200" dirty="0" err="1" smtClean="0">
+                <a:solidFill>
+                  <a:schemeClr val="tx1"/>
+                </a:solidFill>
+                <a:effectLst/>
+                <a:latin typeface="+mn-lt"/>
+                <a:ea typeface="+mn-ea"/>
+                <a:cs typeface="+mn-cs"/>
+              </a:rPr>
+              <a:t>docker</a:t>
+            </a:r>
+            <a:r>
+              <a:rPr lang="en-US" altLang="zh-TW" sz="1200" b="0" i="0" kern="1200" dirty="0" smtClean="0">
+                <a:solidFill>
+                  <a:schemeClr val="tx1"/>
+                </a:solidFill>
+                <a:effectLst/>
+                <a:latin typeface="+mn-lt"/>
+                <a:ea typeface="+mn-ea"/>
+                <a:cs typeface="+mn-cs"/>
+              </a:rPr>
+              <a:t> container</a:t>
+            </a:r>
+          </a:p>
+          <a:p>
+            <a:pPr rtl="0"/>
+            <a:endParaRPr lang="en-US" altLang="zh-TW" sz="1200" b="0" i="0" kern="1200" dirty="0" smtClean="0">
+              <a:solidFill>
+                <a:schemeClr val="tx1"/>
+              </a:solidFill>
+              <a:effectLst/>
+              <a:latin typeface="+mn-lt"/>
+              <a:ea typeface="+mn-ea"/>
+              <a:cs typeface="+mn-cs"/>
+            </a:endParaRPr>
+          </a:p>
+          <a:p>
+            <a:pPr rtl="0"/>
+            <a:r>
+              <a:rPr lang="en-US" altLang="zh-TW" sz="1200" b="0" i="0" kern="1200" dirty="0" smtClean="0">
+                <a:solidFill>
+                  <a:schemeClr val="tx1"/>
+                </a:solidFill>
+                <a:effectLst/>
+                <a:latin typeface="+mn-lt"/>
+                <a:ea typeface="+mn-ea"/>
+                <a:cs typeface="+mn-cs"/>
+              </a:rPr>
+              <a:t>$</a:t>
+            </a:r>
+            <a:r>
+              <a:rPr lang="en-US" altLang="zh-TW" sz="1200" b="0" i="0" kern="1200" dirty="0" err="1" smtClean="0">
+                <a:solidFill>
+                  <a:schemeClr val="tx1"/>
+                </a:solidFill>
+                <a:effectLst/>
+                <a:latin typeface="+mn-lt"/>
+                <a:ea typeface="+mn-ea"/>
+                <a:cs typeface="+mn-cs"/>
+              </a:rPr>
+              <a:t>docker</a:t>
+            </a:r>
+            <a:r>
+              <a:rPr lang="en-US" altLang="zh-TW" sz="1200" b="0" i="0" kern="1200" dirty="0" smtClean="0">
+                <a:solidFill>
+                  <a:schemeClr val="tx1"/>
+                </a:solidFill>
+                <a:effectLst/>
+                <a:latin typeface="+mn-lt"/>
+                <a:ea typeface="+mn-ea"/>
+                <a:cs typeface="+mn-cs"/>
+              </a:rPr>
+              <a:t> container run -d --name test-</a:t>
+            </a:r>
+            <a:r>
+              <a:rPr lang="en-US" altLang="zh-TW" sz="1200" b="0" i="0" kern="1200" dirty="0" err="1" smtClean="0">
+                <a:solidFill>
+                  <a:schemeClr val="tx1"/>
+                </a:solidFill>
+                <a:effectLst/>
+                <a:latin typeface="+mn-lt"/>
+                <a:ea typeface="+mn-ea"/>
+                <a:cs typeface="+mn-cs"/>
+              </a:rPr>
+              <a:t>nginx</a:t>
+            </a:r>
+            <a:r>
+              <a:rPr lang="en-US" altLang="zh-TW" sz="1200" b="0" i="0" kern="1200" dirty="0" smtClean="0">
+                <a:solidFill>
+                  <a:schemeClr val="tx1"/>
+                </a:solidFill>
+                <a:effectLst/>
+                <a:latin typeface="+mn-lt"/>
+                <a:ea typeface="+mn-ea"/>
+                <a:cs typeface="+mn-cs"/>
+              </a:rPr>
+              <a:t> --</a:t>
+            </a:r>
+            <a:r>
+              <a:rPr lang="en-US" altLang="zh-TW" sz="1200" b="0" i="0" kern="1200" dirty="0" err="1" smtClean="0">
+                <a:solidFill>
+                  <a:schemeClr val="tx1"/>
+                </a:solidFill>
+                <a:effectLst/>
+                <a:latin typeface="+mn-lt"/>
+                <a:ea typeface="+mn-ea"/>
+                <a:cs typeface="+mn-cs"/>
+              </a:rPr>
+              <a:t>cpu</a:t>
+            </a:r>
+            <a:r>
+              <a:rPr lang="en-US" altLang="zh-TW" sz="1200" b="0" i="0" kern="1200" dirty="0" smtClean="0">
+                <a:solidFill>
+                  <a:schemeClr val="tx1"/>
+                </a:solidFill>
+                <a:effectLst/>
+                <a:latin typeface="+mn-lt"/>
+                <a:ea typeface="+mn-ea"/>
+                <a:cs typeface="+mn-cs"/>
+              </a:rPr>
+              <a:t>-shares 512 --memory 128M -p 8080:80 </a:t>
+            </a:r>
+            <a:r>
+              <a:rPr lang="en-US" altLang="zh-TW" sz="1200" b="0" i="0" kern="1200" dirty="0" err="1" smtClean="0">
+                <a:solidFill>
+                  <a:schemeClr val="tx1"/>
+                </a:solidFill>
+                <a:effectLst/>
+                <a:latin typeface="+mn-lt"/>
+                <a:ea typeface="+mn-ea"/>
+                <a:cs typeface="+mn-cs"/>
+              </a:rPr>
+              <a:t>nginx</a:t>
+            </a:r>
+            <a:endParaRPr lang="en-US" altLang="zh-TW" sz="1200" b="0" i="0" kern="1200" dirty="0" smtClean="0">
+              <a:solidFill>
+                <a:schemeClr val="tx1"/>
+              </a:solidFill>
+              <a:effectLst/>
+              <a:latin typeface="+mn-lt"/>
+              <a:ea typeface="+mn-ea"/>
+              <a:cs typeface="+mn-cs"/>
+            </a:endParaRPr>
+          </a:p>
+          <a:p>
+            <a:endParaRPr lang="en-US" altLang="zh-TW" sz="1200" b="0" i="0" kern="1200" dirty="0" smtClean="0">
+              <a:solidFill>
+                <a:schemeClr val="tx1"/>
+              </a:solidFill>
+              <a:effectLst/>
+              <a:latin typeface="+mn-lt"/>
+              <a:ea typeface="+mn-ea"/>
+              <a:cs typeface="+mn-cs"/>
+            </a:endParaRPr>
+          </a:p>
+          <a:p>
+            <a:pPr marL="171450" indent="-171450">
+              <a:buFont typeface="Arial" panose="020B0604020202020204" pitchFamily="34" charset="0"/>
+              <a:buChar char="•"/>
+            </a:pPr>
+            <a:r>
+              <a:rPr lang="en-US" altLang="zh-TW" sz="1200" b="0" i="0" kern="1200" dirty="0" smtClean="0">
+                <a:solidFill>
+                  <a:schemeClr val="tx1"/>
+                </a:solidFill>
+                <a:effectLst/>
+                <a:latin typeface="+mn-lt"/>
+                <a:ea typeface="+mn-ea"/>
+                <a:cs typeface="+mn-cs"/>
+              </a:rPr>
+              <a:t>However, if you already have the container running, use </a:t>
+            </a:r>
+            <a:r>
+              <a:rPr lang="en-US" altLang="zh-TW" sz="1200" b="0" i="0" kern="1200" dirty="0" err="1" smtClean="0">
+                <a:solidFill>
+                  <a:schemeClr val="tx1"/>
+                </a:solidFill>
+                <a:effectLst/>
+                <a:latin typeface="+mn-lt"/>
+                <a:ea typeface="+mn-ea"/>
+                <a:cs typeface="+mn-cs"/>
+              </a:rPr>
+              <a:t>docker</a:t>
+            </a:r>
+            <a:r>
+              <a:rPr lang="en-US" altLang="zh-TW" sz="1200" b="0" i="0" kern="1200" dirty="0" smtClean="0">
+                <a:solidFill>
+                  <a:schemeClr val="tx1"/>
+                </a:solidFill>
+                <a:effectLst/>
+                <a:latin typeface="+mn-lt"/>
+                <a:ea typeface="+mn-ea"/>
+                <a:cs typeface="+mn-cs"/>
+              </a:rPr>
+              <a:t> update to update the configurations.</a:t>
+            </a:r>
+          </a:p>
+          <a:p>
+            <a:pPr marL="171450" indent="-171450">
+              <a:buFont typeface="Arial" panose="020B0604020202020204" pitchFamily="34" charset="0"/>
+              <a:buChar char="•"/>
+            </a:pPr>
+            <a:endParaRPr lang="en-US" altLang="zh-TW" sz="1200" b="0" i="0" kern="1200" dirty="0" smtClean="0">
+              <a:solidFill>
+                <a:schemeClr val="tx1"/>
+              </a:solidFill>
+              <a:effectLst/>
+              <a:latin typeface="+mn-lt"/>
+              <a:ea typeface="+mn-ea"/>
+              <a:cs typeface="+mn-cs"/>
+            </a:endParaRPr>
+          </a:p>
+          <a:p>
+            <a:pPr marL="0" indent="0">
+              <a:buFont typeface="Arial" panose="020B0604020202020204" pitchFamily="34" charset="0"/>
+              <a:buNone/>
+            </a:pPr>
+            <a:r>
+              <a:rPr lang="en-US" altLang="zh-TW" sz="1200" b="0" i="0" kern="1200" dirty="0" smtClean="0">
+                <a:solidFill>
+                  <a:schemeClr val="tx1"/>
+                </a:solidFill>
+                <a:effectLst/>
+                <a:latin typeface="+mn-lt"/>
+                <a:ea typeface="+mn-ea"/>
+                <a:cs typeface="+mn-cs"/>
+              </a:rPr>
+              <a:t>$</a:t>
+            </a:r>
+            <a:r>
+              <a:rPr lang="en-US" altLang="zh-TW" sz="1200" b="0" i="0" kern="1200" dirty="0" err="1" smtClean="0">
+                <a:solidFill>
+                  <a:schemeClr val="tx1"/>
+                </a:solidFill>
+                <a:effectLst/>
+                <a:latin typeface="+mn-lt"/>
+                <a:ea typeface="+mn-ea"/>
+                <a:cs typeface="+mn-cs"/>
+              </a:rPr>
+              <a:t>docker</a:t>
+            </a:r>
+            <a:r>
+              <a:rPr lang="en-US" altLang="zh-TW" sz="1200" b="0" i="0" kern="1200" dirty="0" smtClean="0">
+                <a:solidFill>
+                  <a:schemeClr val="tx1"/>
+                </a:solidFill>
+                <a:effectLst/>
+                <a:latin typeface="+mn-lt"/>
+                <a:ea typeface="+mn-ea"/>
+                <a:cs typeface="+mn-cs"/>
+              </a:rPr>
+              <a:t> container update --</a:t>
+            </a:r>
+            <a:r>
+              <a:rPr lang="en-US" altLang="zh-TW" sz="1200" b="0" i="0" kern="1200" dirty="0" err="1" smtClean="0">
+                <a:solidFill>
+                  <a:schemeClr val="tx1"/>
+                </a:solidFill>
+                <a:effectLst/>
+                <a:latin typeface="+mn-lt"/>
+                <a:ea typeface="+mn-ea"/>
+                <a:cs typeface="+mn-cs"/>
+              </a:rPr>
+              <a:t>cpu</a:t>
+            </a:r>
+            <a:r>
+              <a:rPr lang="en-US" altLang="zh-TW" sz="1200" b="0" i="0" kern="1200" dirty="0" smtClean="0">
+                <a:solidFill>
+                  <a:schemeClr val="tx1"/>
+                </a:solidFill>
+                <a:effectLst/>
+                <a:latin typeface="+mn-lt"/>
+                <a:ea typeface="+mn-ea"/>
+                <a:cs typeface="+mn-cs"/>
+              </a:rPr>
+              <a:t>-shares 512 --memory 128M --memory-swap 256M test-</a:t>
+            </a:r>
+            <a:r>
+              <a:rPr lang="en-US" altLang="zh-TW" sz="1200" b="0" i="0" kern="1200" dirty="0" err="1" smtClean="0">
+                <a:solidFill>
+                  <a:schemeClr val="tx1"/>
+                </a:solidFill>
+                <a:effectLst/>
+                <a:latin typeface="+mn-lt"/>
+                <a:ea typeface="+mn-ea"/>
+                <a:cs typeface="+mn-cs"/>
+              </a:rPr>
+              <a:t>nginx</a:t>
+            </a:r>
+            <a:endParaRPr lang="en-US" altLang="zh-TW" sz="1200" b="0" i="0" kern="1200" dirty="0" smtClean="0">
+              <a:solidFill>
+                <a:schemeClr val="tx1"/>
+              </a:solidFill>
+              <a:effectLst/>
+              <a:latin typeface="+mn-lt"/>
+              <a:ea typeface="+mn-ea"/>
+              <a:cs typeface="+mn-cs"/>
+            </a:endParaRPr>
+          </a:p>
+          <a:p>
+            <a:pPr marL="0" indent="0">
+              <a:buFontTx/>
+              <a:buNone/>
+            </a:pPr>
+            <a:endParaRPr lang="zh-TW" altLang="en-US" dirty="0"/>
+          </a:p>
+        </p:txBody>
+      </p:sp>
+      <p:sp>
+        <p:nvSpPr>
+          <p:cNvPr id="4" name="投影片編號版面配置區 3"/>
+          <p:cNvSpPr>
+            <a:spLocks noGrp="1"/>
+          </p:cNvSpPr>
+          <p:nvPr>
+            <p:ph type="sldNum" sz="quarter" idx="10"/>
+          </p:nvPr>
+        </p:nvSpPr>
+        <p:spPr/>
+        <p:txBody>
+          <a:bodyPr/>
+          <a:lstStyle/>
+          <a:p>
+            <a:fld id="{762C10F9-1313-4CC6-801B-630A787ADD62}" type="slidenum">
+              <a:rPr lang="zh-TW" altLang="en-US" smtClean="0"/>
+              <a:t>22</a:t>
+            </a:fld>
+            <a:endParaRPr lang="zh-TW" altLang="en-US"/>
+          </a:p>
+        </p:txBody>
+      </p:sp>
+    </p:spTree>
+    <p:extLst>
+      <p:ext uri="{BB962C8B-B14F-4D97-AF65-F5344CB8AC3E}">
+        <p14:creationId xmlns:p14="http://schemas.microsoft.com/office/powerpoint/2010/main" val="3665726957"/>
+      </p:ext>
+    </p:extLst>
+  </p:cSld>
+  <p:clrMapOvr>
+    <a:masterClrMapping/>
+  </p:clrMapOvr>
+</p:notes>
+</file>
+
+<file path=ppt/notesSlides/notesSlide21.xml><?xml version="1.0" encoding="utf-8"?>
+<p:notes xmlns:a="http://schemas.openxmlformats.org/drawingml/2006/main" xmlns:r="http://schemas.openxmlformats.org/officeDocument/2006/relationships" xmlns:p="http://schemas.openxmlformats.org/presentationml/2006/main">
+  <p:cSld>
+    <p:spTree>
+      <p:nvGrpSpPr>
+        <p:cNvPr id="1" name=""/>
+        <p:cNvGrpSpPr/>
+        <p:nvPr/>
+      </p:nvGrpSpPr>
+      <p:grpSpPr>
+        <a:xfrm>
+          <a:off x="0" y="0"/>
+          <a:ext cx="0" cy="0"/>
+          <a:chOff x="0" y="0"/>
+          <a:chExt cx="0" cy="0"/>
+        </a:xfrm>
+      </p:grpSpPr>
+      <p:sp>
+        <p:nvSpPr>
+          <p:cNvPr id="2" name="投影片圖像版面配置區 1"/>
+          <p:cNvSpPr>
+            <a:spLocks noGrp="1" noRot="1" noChangeAspect="1"/>
+          </p:cNvSpPr>
+          <p:nvPr>
+            <p:ph type="sldImg"/>
+          </p:nvPr>
+        </p:nvSpPr>
+        <p:spPr/>
+      </p:sp>
+      <p:sp>
+        <p:nvSpPr>
+          <p:cNvPr id="3" name="備忘稿版面配置區 2"/>
+          <p:cNvSpPr>
+            <a:spLocks noGrp="1"/>
+          </p:cNvSpPr>
+          <p:nvPr>
+            <p:ph type="body" idx="1"/>
+          </p:nvPr>
+        </p:nvSpPr>
+        <p:spPr/>
+        <p:txBody>
+          <a:bodyPr/>
+          <a:lstStyle/>
+          <a:p>
+            <a:pPr marL="171450" indent="-171450">
+              <a:buFont typeface="Arial" panose="020B0604020202020204" pitchFamily="34" charset="0"/>
+              <a:buChar char="•"/>
+            </a:pPr>
+            <a:r>
+              <a:rPr lang="en-US" altLang="zh-TW" sz="1400" b="1" i="0" kern="1200" dirty="0" smtClean="0">
+                <a:solidFill>
+                  <a:schemeClr val="tx1"/>
+                </a:solidFill>
+                <a:effectLst/>
+                <a:latin typeface="+mn-lt"/>
+                <a:ea typeface="+mn-ea"/>
+                <a:cs typeface="+mn-cs"/>
+              </a:rPr>
+              <a:t>Volumes</a:t>
+            </a:r>
+            <a:r>
+              <a:rPr lang="en-US" altLang="zh-TW" sz="1200" b="0" i="0" kern="1200" dirty="0" smtClean="0">
+                <a:solidFill>
+                  <a:schemeClr val="tx1"/>
+                </a:solidFill>
+                <a:effectLst/>
+                <a:latin typeface="+mn-lt"/>
+                <a:ea typeface="+mn-ea"/>
+                <a:cs typeface="+mn-cs"/>
+              </a:rPr>
+              <a:t> are stored in a part of the host </a:t>
+            </a:r>
+            <a:r>
+              <a:rPr lang="en-US" altLang="zh-TW" sz="1200" b="0" i="0" kern="1200" dirty="0" err="1" smtClean="0">
+                <a:solidFill>
+                  <a:schemeClr val="tx1"/>
+                </a:solidFill>
+                <a:effectLst/>
+                <a:latin typeface="+mn-lt"/>
+                <a:ea typeface="+mn-ea"/>
+                <a:cs typeface="+mn-cs"/>
+              </a:rPr>
+              <a:t>filesystem</a:t>
+            </a:r>
+            <a:r>
+              <a:rPr lang="en-US" altLang="zh-TW" sz="1200" b="0" i="0" kern="1200" dirty="0" smtClean="0">
+                <a:solidFill>
+                  <a:schemeClr val="tx1"/>
+                </a:solidFill>
+                <a:effectLst/>
+                <a:latin typeface="+mn-lt"/>
+                <a:ea typeface="+mn-ea"/>
+                <a:cs typeface="+mn-cs"/>
+              </a:rPr>
+              <a:t> which is managed by Docker (/</a:t>
+            </a:r>
+            <a:r>
+              <a:rPr lang="en-US" altLang="zh-TW" sz="1200" b="0" i="0" kern="1200" dirty="0" err="1" smtClean="0">
+                <a:solidFill>
+                  <a:schemeClr val="tx1"/>
+                </a:solidFill>
+                <a:effectLst/>
+                <a:latin typeface="+mn-lt"/>
+                <a:ea typeface="+mn-ea"/>
+                <a:cs typeface="+mn-cs"/>
+              </a:rPr>
+              <a:t>var</a:t>
+            </a:r>
+            <a:r>
+              <a:rPr lang="en-US" altLang="zh-TW" sz="1200" b="0" i="0" kern="1200" dirty="0" smtClean="0">
+                <a:solidFill>
+                  <a:schemeClr val="tx1"/>
+                </a:solidFill>
+                <a:effectLst/>
+                <a:latin typeface="+mn-lt"/>
+                <a:ea typeface="+mn-ea"/>
+                <a:cs typeface="+mn-cs"/>
+              </a:rPr>
+              <a:t>/lib/</a:t>
+            </a:r>
+            <a:r>
+              <a:rPr lang="en-US" altLang="zh-TW" sz="1200" b="0" i="0" kern="1200" dirty="0" err="1" smtClean="0">
+                <a:solidFill>
+                  <a:schemeClr val="tx1"/>
+                </a:solidFill>
+                <a:effectLst/>
+                <a:latin typeface="+mn-lt"/>
+                <a:ea typeface="+mn-ea"/>
+                <a:cs typeface="+mn-cs"/>
+              </a:rPr>
+              <a:t>docker</a:t>
+            </a:r>
+            <a:r>
+              <a:rPr lang="en-US" altLang="zh-TW" sz="1200" b="0" i="0" kern="1200" dirty="0" smtClean="0">
+                <a:solidFill>
+                  <a:schemeClr val="tx1"/>
+                </a:solidFill>
+                <a:effectLst/>
+                <a:latin typeface="+mn-lt"/>
+                <a:ea typeface="+mn-ea"/>
+                <a:cs typeface="+mn-cs"/>
+              </a:rPr>
+              <a:t>/volumes/ on Linux). Non-Docker processes </a:t>
+            </a:r>
+            <a:r>
+              <a:rPr lang="en-US" altLang="zh-TW" sz="1200" b="1" i="1" u="sng" kern="1200" dirty="0" smtClean="0">
+                <a:solidFill>
+                  <a:schemeClr val="tx1"/>
+                </a:solidFill>
+                <a:effectLst/>
+                <a:latin typeface="+mn-lt"/>
+                <a:ea typeface="+mn-ea"/>
+                <a:cs typeface="+mn-cs"/>
+              </a:rPr>
+              <a:t>should not modify </a:t>
+            </a:r>
+            <a:r>
+              <a:rPr lang="en-US" altLang="zh-TW" sz="1200" b="0" i="0" kern="1200" dirty="0" smtClean="0">
+                <a:solidFill>
+                  <a:schemeClr val="tx1"/>
+                </a:solidFill>
+                <a:effectLst/>
+                <a:latin typeface="+mn-lt"/>
+                <a:ea typeface="+mn-ea"/>
+                <a:cs typeface="+mn-cs"/>
+              </a:rPr>
+              <a:t>this part of the </a:t>
+            </a:r>
+            <a:r>
+              <a:rPr lang="en-US" altLang="zh-TW" sz="1200" b="0" i="0" kern="1200" dirty="0" err="1" smtClean="0">
+                <a:solidFill>
+                  <a:schemeClr val="tx1"/>
+                </a:solidFill>
+                <a:effectLst/>
+                <a:latin typeface="+mn-lt"/>
+                <a:ea typeface="+mn-ea"/>
+                <a:cs typeface="+mn-cs"/>
+              </a:rPr>
+              <a:t>filesystem</a:t>
+            </a:r>
+            <a:r>
+              <a:rPr lang="en-US" altLang="zh-TW" sz="1200" b="0" i="0" kern="1200" dirty="0" smtClean="0">
+                <a:solidFill>
+                  <a:schemeClr val="tx1"/>
+                </a:solidFill>
+                <a:effectLst/>
+                <a:latin typeface="+mn-lt"/>
+                <a:ea typeface="+mn-ea"/>
+                <a:cs typeface="+mn-cs"/>
+              </a:rPr>
+              <a:t>. Volumes are the </a:t>
+            </a:r>
+            <a:r>
+              <a:rPr lang="en-US" altLang="zh-TW" sz="1200" b="1" i="1" u="sng" kern="1200" dirty="0" smtClean="0">
+                <a:solidFill>
+                  <a:schemeClr val="tx1"/>
+                </a:solidFill>
+                <a:effectLst/>
+                <a:latin typeface="+mn-lt"/>
+                <a:ea typeface="+mn-ea"/>
+                <a:cs typeface="+mn-cs"/>
+              </a:rPr>
+              <a:t>best way </a:t>
+            </a:r>
+            <a:r>
+              <a:rPr lang="en-US" altLang="zh-TW" sz="1200" b="0" i="0" kern="1200" dirty="0" smtClean="0">
+                <a:solidFill>
+                  <a:schemeClr val="tx1"/>
+                </a:solidFill>
+                <a:effectLst/>
+                <a:latin typeface="+mn-lt"/>
+                <a:ea typeface="+mn-ea"/>
+                <a:cs typeface="+mn-cs"/>
+              </a:rPr>
+              <a:t>to persist data in Docker.</a:t>
+            </a:r>
+          </a:p>
+          <a:p>
+            <a:pPr marL="171450" indent="-171450">
+              <a:buFont typeface="Arial" panose="020B0604020202020204" pitchFamily="34" charset="0"/>
+              <a:buChar char="•"/>
+            </a:pPr>
+            <a:endParaRPr lang="en-US" altLang="zh-TW" sz="1200" b="0" i="0" kern="1200" dirty="0" smtClean="0">
+              <a:solidFill>
+                <a:schemeClr val="tx1"/>
+              </a:solidFill>
+              <a:effectLst/>
+              <a:latin typeface="+mn-lt"/>
+              <a:ea typeface="+mn-ea"/>
+              <a:cs typeface="+mn-cs"/>
+            </a:endParaRPr>
+          </a:p>
+          <a:p>
+            <a:pPr marL="171450" indent="-171450">
+              <a:buFont typeface="Arial" panose="020B0604020202020204" pitchFamily="34" charset="0"/>
+              <a:buChar char="•"/>
+            </a:pPr>
+            <a:r>
+              <a:rPr lang="en-US" altLang="zh-TW" sz="1200" b="1" i="0" kern="1200" dirty="0" smtClean="0">
+                <a:solidFill>
+                  <a:schemeClr val="tx1"/>
+                </a:solidFill>
+                <a:effectLst/>
+                <a:latin typeface="+mn-lt"/>
+                <a:ea typeface="+mn-ea"/>
+                <a:cs typeface="+mn-cs"/>
+              </a:rPr>
+              <a:t>Bind</a:t>
+            </a:r>
+            <a:r>
+              <a:rPr lang="en-US" altLang="zh-TW" sz="1200" b="0" i="0" kern="1200" dirty="0" smtClean="0">
+                <a:solidFill>
+                  <a:schemeClr val="tx1"/>
+                </a:solidFill>
+                <a:effectLst/>
+                <a:latin typeface="+mn-lt"/>
+                <a:ea typeface="+mn-ea"/>
+                <a:cs typeface="+mn-cs"/>
+              </a:rPr>
+              <a:t> mounts may be stored anywhere on the host system. They may even be important system files or directories. Non-Docker processes on the Docker host or a Docker container </a:t>
+            </a:r>
+            <a:r>
+              <a:rPr lang="en-US" altLang="zh-TW" sz="1200" b="1" i="1" u="sng" kern="1200" dirty="0" smtClean="0">
+                <a:solidFill>
+                  <a:srgbClr val="FF0000"/>
+                </a:solidFill>
+                <a:effectLst/>
+                <a:latin typeface="+mn-lt"/>
+                <a:ea typeface="+mn-ea"/>
+                <a:cs typeface="+mn-cs"/>
+              </a:rPr>
+              <a:t>can modify </a:t>
+            </a:r>
+            <a:r>
+              <a:rPr lang="en-US" altLang="zh-TW" sz="1200" b="0" i="0" kern="1200" dirty="0" smtClean="0">
+                <a:solidFill>
+                  <a:schemeClr val="tx1"/>
+                </a:solidFill>
+                <a:effectLst/>
+                <a:latin typeface="+mn-lt"/>
+                <a:ea typeface="+mn-ea"/>
+                <a:cs typeface="+mn-cs"/>
+              </a:rPr>
+              <a:t>them at any time.</a:t>
+            </a:r>
+          </a:p>
+          <a:p>
+            <a:pPr marL="171450" indent="-171450">
+              <a:buFont typeface="Arial" panose="020B0604020202020204" pitchFamily="34" charset="0"/>
+              <a:buChar char="•"/>
+            </a:pPr>
+            <a:endParaRPr lang="en-US" altLang="zh-TW" sz="1200" b="0" i="0" kern="1200" dirty="0" smtClean="0">
+              <a:solidFill>
+                <a:schemeClr val="tx1"/>
+              </a:solidFill>
+              <a:effectLst/>
+              <a:latin typeface="+mn-lt"/>
+              <a:ea typeface="+mn-ea"/>
+              <a:cs typeface="+mn-cs"/>
+            </a:endParaRPr>
+          </a:p>
+          <a:p>
+            <a:pPr marL="171450" indent="-171450">
+              <a:buFont typeface="Arial" panose="020B0604020202020204" pitchFamily="34" charset="0"/>
+              <a:buChar char="•"/>
+            </a:pPr>
+            <a:r>
+              <a:rPr lang="en-US" altLang="zh-TW" sz="1200" b="1" i="0" kern="1200" dirty="0" err="1" smtClean="0">
+                <a:solidFill>
+                  <a:schemeClr val="tx1"/>
+                </a:solidFill>
+                <a:effectLst/>
+                <a:latin typeface="+mn-lt"/>
+                <a:ea typeface="+mn-ea"/>
+                <a:cs typeface="+mn-cs"/>
+              </a:rPr>
+              <a:t>tmpfs</a:t>
+            </a:r>
+            <a:r>
+              <a:rPr lang="en-US" altLang="zh-TW" sz="1200" b="0" i="0" kern="1200" dirty="0" smtClean="0">
+                <a:solidFill>
+                  <a:schemeClr val="tx1"/>
+                </a:solidFill>
+                <a:effectLst/>
+                <a:latin typeface="+mn-lt"/>
+                <a:ea typeface="+mn-ea"/>
+                <a:cs typeface="+mn-cs"/>
+              </a:rPr>
+              <a:t> mounts are stored in the host </a:t>
+            </a:r>
+            <a:r>
+              <a:rPr lang="en-US" altLang="zh-TW" sz="1200" b="1" i="1" u="sng" kern="1200" dirty="0" smtClean="0">
+                <a:solidFill>
+                  <a:schemeClr val="tx1"/>
+                </a:solidFill>
+                <a:effectLst/>
+                <a:latin typeface="+mn-lt"/>
+                <a:ea typeface="+mn-ea"/>
+                <a:cs typeface="+mn-cs"/>
+              </a:rPr>
+              <a:t>system’s memory only</a:t>
+            </a:r>
+            <a:r>
+              <a:rPr lang="en-US" altLang="zh-TW" sz="1200" b="0" i="0" kern="1200" dirty="0" smtClean="0">
+                <a:solidFill>
+                  <a:schemeClr val="tx1"/>
+                </a:solidFill>
+                <a:effectLst/>
+                <a:latin typeface="+mn-lt"/>
+                <a:ea typeface="+mn-ea"/>
+                <a:cs typeface="+mn-cs"/>
+              </a:rPr>
+              <a:t>, and are never written to the host system’s </a:t>
+            </a:r>
+            <a:r>
+              <a:rPr lang="en-US" altLang="zh-TW" sz="1200" b="0" i="0" kern="1200" dirty="0" err="1" smtClean="0">
+                <a:solidFill>
+                  <a:schemeClr val="tx1"/>
+                </a:solidFill>
+                <a:effectLst/>
+                <a:latin typeface="+mn-lt"/>
+                <a:ea typeface="+mn-ea"/>
+                <a:cs typeface="+mn-cs"/>
+              </a:rPr>
+              <a:t>filesystem</a:t>
+            </a:r>
+            <a:r>
+              <a:rPr lang="en-US" altLang="zh-TW" sz="1200" b="0" i="0" kern="1200" dirty="0" smtClean="0">
+                <a:solidFill>
+                  <a:schemeClr val="tx1"/>
+                </a:solidFill>
+                <a:effectLst/>
+                <a:latin typeface="+mn-lt"/>
+                <a:ea typeface="+mn-ea"/>
+                <a:cs typeface="+mn-cs"/>
+              </a:rPr>
+              <a:t>.</a:t>
+            </a:r>
+          </a:p>
+          <a:p>
+            <a:pPr marL="0" indent="0">
+              <a:buFont typeface="Arial" panose="020B0604020202020204" pitchFamily="34" charset="0"/>
+              <a:buNone/>
+            </a:pPr>
+            <a:r>
+              <a:rPr lang="en-US" altLang="zh-TW" dirty="0" smtClean="0"/>
+              <a:t/>
+            </a:r>
+            <a:br>
+              <a:rPr lang="en-US" altLang="zh-TW" dirty="0" smtClean="0"/>
+            </a:br>
+            <a:endParaRPr lang="zh-TW" altLang="en-US" dirty="0"/>
+          </a:p>
+        </p:txBody>
+      </p:sp>
+      <p:sp>
+        <p:nvSpPr>
+          <p:cNvPr id="4" name="投影片編號版面配置區 3"/>
+          <p:cNvSpPr>
+            <a:spLocks noGrp="1"/>
+          </p:cNvSpPr>
+          <p:nvPr>
+            <p:ph type="sldNum" sz="quarter" idx="10"/>
+          </p:nvPr>
+        </p:nvSpPr>
+        <p:spPr/>
+        <p:txBody>
+          <a:bodyPr/>
+          <a:lstStyle/>
+          <a:p>
+            <a:fld id="{762C10F9-1313-4CC6-801B-630A787ADD62}" type="slidenum">
+              <a:rPr lang="zh-TW" altLang="en-US" smtClean="0"/>
+              <a:t>23</a:t>
+            </a:fld>
+            <a:endParaRPr lang="zh-TW" altLang="en-US"/>
+          </a:p>
+        </p:txBody>
+      </p:sp>
+    </p:spTree>
+    <p:extLst>
+      <p:ext uri="{BB962C8B-B14F-4D97-AF65-F5344CB8AC3E}">
+        <p14:creationId xmlns:p14="http://schemas.microsoft.com/office/powerpoint/2010/main" val="2025897364"/>
+      </p:ext>
+    </p:extLst>
+  </p:cSld>
+  <p:clrMapOvr>
+    <a:masterClrMapping/>
+  </p:clrMapOvr>
+</p:notes>
+</file>
+
+<file path=ppt/notesSlides/notesSlide22.xml><?xml version="1.0" encoding="utf-8"?>
+<p:notes xmlns:a="http://schemas.openxmlformats.org/drawingml/2006/main" xmlns:r="http://schemas.openxmlformats.org/officeDocument/2006/relationships" xmlns:p="http://schemas.openxmlformats.org/presentationml/2006/main">
+  <p:cSld>
+    <p:spTree>
+      <p:nvGrpSpPr>
+        <p:cNvPr id="1" name=""/>
+        <p:cNvGrpSpPr/>
+        <p:nvPr/>
+      </p:nvGrpSpPr>
+      <p:grpSpPr>
+        <a:xfrm>
+          <a:off x="0" y="0"/>
+          <a:ext cx="0" cy="0"/>
+          <a:chOff x="0" y="0"/>
+          <a:chExt cx="0" cy="0"/>
+        </a:xfrm>
+      </p:grpSpPr>
+      <p:sp>
+        <p:nvSpPr>
+          <p:cNvPr id="2" name="投影片圖像版面配置區 1"/>
+          <p:cNvSpPr>
+            <a:spLocks noGrp="1" noRot="1" noChangeAspect="1"/>
+          </p:cNvSpPr>
+          <p:nvPr>
+            <p:ph type="sldImg"/>
+          </p:nvPr>
+        </p:nvSpPr>
+        <p:spPr/>
+      </p:sp>
+      <p:sp>
+        <p:nvSpPr>
+          <p:cNvPr id="3" name="備忘稿版面配置區 2"/>
+          <p:cNvSpPr>
+            <a:spLocks noGrp="1"/>
+          </p:cNvSpPr>
+          <p:nvPr>
+            <p:ph type="body" idx="1"/>
+          </p:nvPr>
+        </p:nvSpPr>
+        <p:spPr/>
+        <p:txBody>
+          <a:bodyPr/>
+          <a:lstStyle/>
+          <a:p>
+            <a:r>
+              <a:rPr lang="en-US" altLang="zh-TW" sz="1200" b="0" i="0" kern="1200" dirty="0" smtClean="0">
+                <a:solidFill>
+                  <a:schemeClr val="tx1"/>
+                </a:solidFill>
+                <a:effectLst/>
+                <a:latin typeface="+mn-lt"/>
+                <a:ea typeface="+mn-ea"/>
+                <a:cs typeface="+mn-cs"/>
+              </a:rPr>
+              <a:t>Volumes are managed by </a:t>
+            </a:r>
+            <a:r>
+              <a:rPr lang="en-US" altLang="zh-TW" dirty="0" err="1" smtClean="0"/>
+              <a:t>docker</a:t>
+            </a:r>
+            <a:r>
+              <a:rPr lang="en-US" altLang="zh-TW" sz="1200" b="0" i="0" kern="1200" dirty="0" smtClean="0">
+                <a:solidFill>
+                  <a:schemeClr val="tx1"/>
+                </a:solidFill>
+                <a:effectLst/>
+                <a:latin typeface="+mn-lt"/>
+                <a:ea typeface="+mn-ea"/>
+                <a:cs typeface="+mn-cs"/>
+              </a:rPr>
+              <a:t>, and can be shared with multiple containers</a:t>
+            </a:r>
+          </a:p>
+          <a:p>
+            <a:endParaRPr lang="en-US" altLang="zh-TW" dirty="0" smtClean="0"/>
+          </a:p>
+          <a:p>
+            <a:pPr marL="171450" indent="-171450">
+              <a:buFont typeface="Arial" panose="020B0604020202020204" pitchFamily="34" charset="0"/>
+              <a:buChar char="•"/>
+            </a:pPr>
+            <a:r>
+              <a:rPr lang="en-US" altLang="zh-TW" sz="1200" b="1" i="0" kern="1200" dirty="0" smtClean="0">
+                <a:solidFill>
+                  <a:schemeClr val="tx1"/>
+                </a:solidFill>
+                <a:effectLst/>
+                <a:latin typeface="+mn-lt"/>
+                <a:ea typeface="+mn-ea"/>
+                <a:cs typeface="+mn-cs"/>
+              </a:rPr>
+              <a:t>Create a data volume</a:t>
+            </a:r>
+            <a:endParaRPr lang="en-US" altLang="zh-TW" sz="1200" b="0" i="0" kern="1200" dirty="0" smtClean="0">
+              <a:solidFill>
+                <a:schemeClr val="tx1"/>
+              </a:solidFill>
+              <a:effectLst/>
+              <a:latin typeface="+mn-lt"/>
+              <a:ea typeface="+mn-ea"/>
+              <a:cs typeface="+mn-cs"/>
+            </a:endParaRPr>
+          </a:p>
+          <a:p>
+            <a:pPr rtl="0"/>
+            <a:r>
+              <a:rPr lang="en-US" altLang="zh-TW" sz="1200" b="0" i="0" kern="1200" dirty="0" smtClean="0">
+                <a:solidFill>
+                  <a:schemeClr val="tx1"/>
+                </a:solidFill>
+                <a:effectLst/>
+                <a:latin typeface="+mn-lt"/>
+                <a:ea typeface="+mn-ea"/>
+                <a:cs typeface="+mn-cs"/>
+              </a:rPr>
+              <a:t>$</a:t>
+            </a:r>
+            <a:r>
+              <a:rPr lang="en-US" altLang="zh-TW" sz="1200" b="0" i="0" kern="1200" dirty="0" err="1" smtClean="0">
+                <a:solidFill>
+                  <a:schemeClr val="tx1"/>
+                </a:solidFill>
+                <a:effectLst/>
+                <a:latin typeface="+mn-lt"/>
+                <a:ea typeface="+mn-ea"/>
+                <a:cs typeface="+mn-cs"/>
+              </a:rPr>
+              <a:t>docker</a:t>
+            </a:r>
+            <a:r>
+              <a:rPr lang="en-US" altLang="zh-TW" sz="1200" b="0" i="0" kern="1200" dirty="0" smtClean="0">
+                <a:solidFill>
+                  <a:schemeClr val="tx1"/>
+                </a:solidFill>
+                <a:effectLst/>
+                <a:latin typeface="+mn-lt"/>
+                <a:ea typeface="+mn-ea"/>
+                <a:cs typeface="+mn-cs"/>
+              </a:rPr>
+              <a:t> volume create my-</a:t>
+            </a:r>
+            <a:r>
+              <a:rPr lang="en-US" altLang="zh-TW" sz="1200" b="0" i="0" kern="1200" dirty="0" err="1" smtClean="0">
+                <a:solidFill>
+                  <a:schemeClr val="tx1"/>
+                </a:solidFill>
+                <a:effectLst/>
+                <a:latin typeface="+mn-lt"/>
+                <a:ea typeface="+mn-ea"/>
+                <a:cs typeface="+mn-cs"/>
+              </a:rPr>
+              <a:t>vol</a:t>
+            </a:r>
+            <a:endParaRPr lang="en-US" altLang="zh-TW" sz="1200" b="0" i="0" kern="1200" dirty="0" smtClean="0">
+              <a:solidFill>
+                <a:schemeClr val="tx1"/>
+              </a:solidFill>
+              <a:effectLst/>
+              <a:latin typeface="+mn-lt"/>
+              <a:ea typeface="+mn-ea"/>
+              <a:cs typeface="+mn-cs"/>
+            </a:endParaRPr>
+          </a:p>
+          <a:p>
+            <a:pPr marL="171450" indent="-171450">
+              <a:buFont typeface="Arial" panose="020B0604020202020204" pitchFamily="34" charset="0"/>
+              <a:buChar char="•"/>
+            </a:pPr>
+            <a:r>
+              <a:rPr lang="en-US" altLang="zh-TW" sz="1200" b="1" i="0" kern="1200" dirty="0" smtClean="0">
+                <a:solidFill>
+                  <a:schemeClr val="tx1"/>
+                </a:solidFill>
+                <a:effectLst/>
+                <a:latin typeface="+mn-lt"/>
+                <a:ea typeface="+mn-ea"/>
+                <a:cs typeface="+mn-cs"/>
+              </a:rPr>
+              <a:t>View all data volume</a:t>
+            </a:r>
+            <a:endParaRPr lang="en-US" altLang="zh-TW" sz="1200" b="0" i="0" kern="1200" dirty="0" smtClean="0">
+              <a:solidFill>
+                <a:schemeClr val="tx1"/>
+              </a:solidFill>
+              <a:effectLst/>
+              <a:latin typeface="+mn-lt"/>
+              <a:ea typeface="+mn-ea"/>
+              <a:cs typeface="+mn-cs"/>
+            </a:endParaRPr>
+          </a:p>
+          <a:p>
+            <a:pPr marL="0" indent="0" rtl="0">
+              <a:buFont typeface="Arial" panose="020B0604020202020204" pitchFamily="34" charset="0"/>
+              <a:buNone/>
+            </a:pPr>
+            <a:r>
+              <a:rPr lang="en-US" altLang="zh-TW" sz="1200" b="0" i="0" kern="1200" dirty="0" smtClean="0">
+                <a:solidFill>
+                  <a:schemeClr val="tx1"/>
+                </a:solidFill>
+                <a:effectLst/>
+                <a:latin typeface="+mn-lt"/>
+                <a:ea typeface="+mn-ea"/>
+                <a:cs typeface="+mn-cs"/>
+              </a:rPr>
+              <a:t>$</a:t>
+            </a:r>
+            <a:r>
+              <a:rPr lang="en-US" altLang="zh-TW" sz="1200" b="0" i="0" kern="1200" dirty="0" err="1" smtClean="0">
+                <a:solidFill>
+                  <a:schemeClr val="tx1"/>
+                </a:solidFill>
+                <a:effectLst/>
+                <a:latin typeface="+mn-lt"/>
+                <a:ea typeface="+mn-ea"/>
+                <a:cs typeface="+mn-cs"/>
+              </a:rPr>
+              <a:t>docker</a:t>
+            </a:r>
+            <a:r>
+              <a:rPr lang="en-US" altLang="zh-TW" sz="1200" b="0" i="0" kern="1200" dirty="0" smtClean="0">
+                <a:solidFill>
+                  <a:schemeClr val="tx1"/>
+                </a:solidFill>
+                <a:effectLst/>
+                <a:latin typeface="+mn-lt"/>
+                <a:ea typeface="+mn-ea"/>
+                <a:cs typeface="+mn-cs"/>
+              </a:rPr>
+              <a:t> volume ls</a:t>
+            </a:r>
+          </a:p>
+          <a:p>
+            <a:pPr marL="171450" indent="-171450">
+              <a:buFont typeface="Arial" panose="020B0604020202020204" pitchFamily="34" charset="0"/>
+              <a:buChar char="•"/>
+            </a:pPr>
+            <a:r>
+              <a:rPr lang="en-US" altLang="zh-TW" sz="1200" b="1" i="0" kern="1200" dirty="0" smtClean="0">
+                <a:solidFill>
+                  <a:schemeClr val="tx1"/>
+                </a:solidFill>
+                <a:effectLst/>
+                <a:latin typeface="+mn-lt"/>
+                <a:ea typeface="+mn-ea"/>
+                <a:cs typeface="+mn-cs"/>
+              </a:rPr>
+              <a:t>Inspect a data volume</a:t>
+            </a:r>
+            <a:endParaRPr lang="en-US" altLang="zh-TW" sz="1200" b="0" i="0" kern="1200" dirty="0" smtClean="0">
+              <a:solidFill>
+                <a:schemeClr val="tx1"/>
+              </a:solidFill>
+              <a:effectLst/>
+              <a:latin typeface="+mn-lt"/>
+              <a:ea typeface="+mn-ea"/>
+              <a:cs typeface="+mn-cs"/>
+            </a:endParaRPr>
+          </a:p>
+          <a:p>
+            <a:pPr rtl="0"/>
+            <a:r>
+              <a:rPr lang="en-US" altLang="zh-TW" sz="1200" b="0" i="0" kern="1200" dirty="0" smtClean="0">
+                <a:solidFill>
+                  <a:schemeClr val="tx1"/>
+                </a:solidFill>
+                <a:effectLst/>
+                <a:latin typeface="+mn-lt"/>
+                <a:ea typeface="+mn-ea"/>
+                <a:cs typeface="+mn-cs"/>
+              </a:rPr>
+              <a:t>$</a:t>
+            </a:r>
+            <a:r>
+              <a:rPr lang="en-US" altLang="zh-TW" sz="1200" b="0" i="0" kern="1200" dirty="0" err="1" smtClean="0">
+                <a:solidFill>
+                  <a:schemeClr val="tx1"/>
+                </a:solidFill>
+                <a:effectLst/>
+                <a:latin typeface="+mn-lt"/>
+                <a:ea typeface="+mn-ea"/>
+                <a:cs typeface="+mn-cs"/>
+              </a:rPr>
+              <a:t>docker</a:t>
+            </a:r>
+            <a:r>
+              <a:rPr lang="en-US" altLang="zh-TW" sz="1200" b="0" i="0" kern="1200" dirty="0" smtClean="0">
+                <a:solidFill>
+                  <a:schemeClr val="tx1"/>
+                </a:solidFill>
+                <a:effectLst/>
+                <a:latin typeface="+mn-lt"/>
+                <a:ea typeface="+mn-ea"/>
+                <a:cs typeface="+mn-cs"/>
+              </a:rPr>
+              <a:t> volume inspect my-</a:t>
+            </a:r>
+            <a:r>
+              <a:rPr lang="en-US" altLang="zh-TW" sz="1200" b="0" i="0" kern="1200" dirty="0" err="1" smtClean="0">
+                <a:solidFill>
+                  <a:schemeClr val="tx1"/>
+                </a:solidFill>
+                <a:effectLst/>
+                <a:latin typeface="+mn-lt"/>
+                <a:ea typeface="+mn-ea"/>
+                <a:cs typeface="+mn-cs"/>
+              </a:rPr>
+              <a:t>vol</a:t>
+            </a:r>
+            <a:endParaRPr lang="en-US" altLang="zh-TW" sz="1200" b="0" i="0" kern="1200" dirty="0" smtClean="0">
+              <a:solidFill>
+                <a:schemeClr val="tx1"/>
+              </a:solidFill>
+              <a:effectLst/>
+              <a:latin typeface="+mn-lt"/>
+              <a:ea typeface="+mn-ea"/>
+              <a:cs typeface="+mn-cs"/>
+            </a:endParaRPr>
+          </a:p>
+          <a:p>
+            <a:pPr marL="171450" marR="0" lvl="0" indent="-171450" algn="l" defTabSz="914400" rtl="0" eaLnBrk="1" fontAlgn="auto" latinLnBrk="0" hangingPunct="1">
+              <a:lnSpc>
+                <a:spcPct val="100000"/>
+              </a:lnSpc>
+              <a:spcBef>
+                <a:spcPts val="0"/>
+              </a:spcBef>
+              <a:spcAft>
+                <a:spcPts val="0"/>
+              </a:spcAft>
+              <a:buClrTx/>
+              <a:buSzTx/>
+              <a:buFont typeface="Arial" panose="020B0604020202020204" pitchFamily="34" charset="0"/>
+              <a:buChar char="•"/>
+              <a:tabLst/>
+              <a:defRPr/>
+            </a:pPr>
+            <a:r>
+              <a:rPr lang="en-US" altLang="zh-TW" sz="1200" b="1" i="0" kern="1200" dirty="0" smtClean="0">
+                <a:solidFill>
+                  <a:schemeClr val="tx1"/>
+                </a:solidFill>
+                <a:effectLst/>
+                <a:latin typeface="+mn-lt"/>
+                <a:ea typeface="+mn-ea"/>
+                <a:cs typeface="+mn-cs"/>
+              </a:rPr>
+              <a:t>Use a data volume </a:t>
+            </a:r>
+            <a:endParaRPr lang="en-US" altLang="zh-TW" sz="1200" b="0" i="0" kern="1200" dirty="0" smtClean="0">
+              <a:solidFill>
+                <a:schemeClr val="tx1"/>
+              </a:solidFill>
+              <a:effectLst/>
+              <a:latin typeface="+mn-lt"/>
+              <a:ea typeface="+mn-ea"/>
+              <a:cs typeface="+mn-cs"/>
+            </a:endParaRPr>
+          </a:p>
+          <a:p>
+            <a:pPr rtl="0"/>
+            <a:r>
+              <a:rPr lang="en-US" altLang="zh-TW" dirty="0" smtClean="0"/>
+              <a:t>$ </a:t>
+            </a:r>
+            <a:r>
+              <a:rPr lang="en-US" altLang="zh-TW" dirty="0" err="1" smtClean="0"/>
+              <a:t>docker</a:t>
+            </a:r>
+            <a:r>
+              <a:rPr lang="en-US" altLang="zh-TW" dirty="0" smtClean="0"/>
+              <a:t> run -d \ --name=</a:t>
+            </a:r>
+            <a:r>
+              <a:rPr lang="en-US" altLang="zh-TW" dirty="0" err="1" smtClean="0"/>
+              <a:t>nginxtest</a:t>
+            </a:r>
+            <a:r>
+              <a:rPr lang="en-US" altLang="zh-TW" dirty="0" smtClean="0"/>
+              <a:t> \ -v </a:t>
+            </a:r>
+            <a:r>
+              <a:rPr lang="en-US" altLang="zh-TW" dirty="0" err="1" smtClean="0"/>
+              <a:t>nginx-vol</a:t>
+            </a:r>
+            <a:r>
+              <a:rPr lang="en-US" altLang="zh-TW" dirty="0" smtClean="0"/>
+              <a:t>:/</a:t>
+            </a:r>
+            <a:r>
+              <a:rPr lang="en-US" altLang="zh-TW" dirty="0" err="1" smtClean="0"/>
+              <a:t>usr</a:t>
+            </a:r>
+            <a:r>
+              <a:rPr lang="en-US" altLang="zh-TW" dirty="0" smtClean="0"/>
+              <a:t>/share/</a:t>
+            </a:r>
+            <a:r>
+              <a:rPr lang="en-US" altLang="zh-TW" dirty="0" err="1" smtClean="0"/>
+              <a:t>nginx</a:t>
+            </a:r>
+            <a:r>
+              <a:rPr lang="en-US" altLang="zh-TW" dirty="0" smtClean="0"/>
+              <a:t>/html \ </a:t>
+            </a:r>
+            <a:r>
+              <a:rPr lang="en-US" altLang="zh-TW" dirty="0" err="1" smtClean="0"/>
+              <a:t>nginx:latest</a:t>
+            </a:r>
+            <a:endParaRPr lang="en-US" altLang="zh-TW" dirty="0" smtClean="0"/>
+          </a:p>
+          <a:p>
+            <a:pPr marL="171450" indent="-171450">
+              <a:buFont typeface="Arial" panose="020B0604020202020204" pitchFamily="34" charset="0"/>
+              <a:buChar char="•"/>
+            </a:pPr>
+            <a:r>
+              <a:rPr lang="en-US" altLang="zh-TW" sz="1200" b="1" i="0" kern="1200" dirty="0" smtClean="0">
+                <a:solidFill>
+                  <a:schemeClr val="tx1"/>
+                </a:solidFill>
+                <a:effectLst/>
+                <a:latin typeface="+mn-lt"/>
+                <a:ea typeface="+mn-ea"/>
+                <a:cs typeface="+mn-cs"/>
+              </a:rPr>
+              <a:t>Delete a data volume</a:t>
+            </a:r>
+            <a:endParaRPr lang="en-US" altLang="zh-TW" sz="1200" b="0" i="0" kern="1200" dirty="0" smtClean="0">
+              <a:solidFill>
+                <a:schemeClr val="tx1"/>
+              </a:solidFill>
+              <a:effectLst/>
+              <a:latin typeface="+mn-lt"/>
+              <a:ea typeface="+mn-ea"/>
+              <a:cs typeface="+mn-cs"/>
+            </a:endParaRPr>
+          </a:p>
+          <a:p>
+            <a:pPr rtl="0"/>
+            <a:r>
+              <a:rPr lang="en-US" altLang="zh-TW" sz="1200" b="0" i="0" kern="1200" dirty="0" smtClean="0">
+                <a:solidFill>
+                  <a:schemeClr val="tx1"/>
+                </a:solidFill>
+                <a:effectLst/>
+                <a:latin typeface="+mn-lt"/>
+                <a:ea typeface="+mn-ea"/>
+                <a:cs typeface="+mn-cs"/>
+              </a:rPr>
+              <a:t>$</a:t>
+            </a:r>
+            <a:r>
+              <a:rPr lang="en-US" altLang="zh-TW" sz="1200" b="0" i="0" kern="1200" dirty="0" err="1" smtClean="0">
+                <a:solidFill>
+                  <a:schemeClr val="tx1"/>
+                </a:solidFill>
+                <a:effectLst/>
+                <a:latin typeface="+mn-lt"/>
+                <a:ea typeface="+mn-ea"/>
+                <a:cs typeface="+mn-cs"/>
+              </a:rPr>
+              <a:t>docker</a:t>
+            </a:r>
+            <a:r>
+              <a:rPr lang="en-US" altLang="zh-TW" sz="1200" b="0" i="0" kern="1200" dirty="0" smtClean="0">
+                <a:solidFill>
+                  <a:schemeClr val="tx1"/>
+                </a:solidFill>
+                <a:effectLst/>
+                <a:latin typeface="+mn-lt"/>
+                <a:ea typeface="+mn-ea"/>
+                <a:cs typeface="+mn-cs"/>
+              </a:rPr>
+              <a:t> volume </a:t>
+            </a:r>
+            <a:r>
+              <a:rPr lang="en-US" altLang="zh-TW" sz="1200" b="0" i="0" kern="1200" dirty="0" err="1" smtClean="0">
+                <a:solidFill>
+                  <a:schemeClr val="tx1"/>
+                </a:solidFill>
+                <a:effectLst/>
+                <a:latin typeface="+mn-lt"/>
+                <a:ea typeface="+mn-ea"/>
+                <a:cs typeface="+mn-cs"/>
+              </a:rPr>
+              <a:t>rm</a:t>
+            </a:r>
+            <a:r>
+              <a:rPr lang="en-US" altLang="zh-TW" sz="1200" b="0" i="0" kern="1200" dirty="0" smtClean="0">
+                <a:solidFill>
+                  <a:schemeClr val="tx1"/>
+                </a:solidFill>
+                <a:effectLst/>
+                <a:latin typeface="+mn-lt"/>
+                <a:ea typeface="+mn-ea"/>
+                <a:cs typeface="+mn-cs"/>
+              </a:rPr>
+              <a:t> my-</a:t>
+            </a:r>
+            <a:r>
+              <a:rPr lang="en-US" altLang="zh-TW" sz="1200" b="0" i="0" kern="1200" dirty="0" err="1" smtClean="0">
+                <a:solidFill>
+                  <a:schemeClr val="tx1"/>
+                </a:solidFill>
+                <a:effectLst/>
+                <a:latin typeface="+mn-lt"/>
+                <a:ea typeface="+mn-ea"/>
+                <a:cs typeface="+mn-cs"/>
+              </a:rPr>
+              <a:t>vol</a:t>
+            </a:r>
+            <a:endParaRPr lang="en-US" altLang="zh-TW" sz="1200" b="0" i="0" kern="1200" dirty="0" smtClean="0">
+              <a:solidFill>
+                <a:schemeClr val="tx1"/>
+              </a:solidFill>
+              <a:effectLst/>
+              <a:latin typeface="+mn-lt"/>
+              <a:ea typeface="+mn-ea"/>
+              <a:cs typeface="+mn-cs"/>
+            </a:endParaRPr>
+          </a:p>
+          <a:p>
+            <a:pPr rtl="0"/>
+            <a:endParaRPr lang="en-US" altLang="zh-TW" sz="1200" b="0" i="0" kern="1200" dirty="0" smtClean="0">
+              <a:solidFill>
+                <a:schemeClr val="tx1"/>
+              </a:solidFill>
+              <a:effectLst/>
+              <a:latin typeface="+mn-lt"/>
+              <a:ea typeface="+mn-ea"/>
+              <a:cs typeface="+mn-cs"/>
+            </a:endParaRPr>
+          </a:p>
+          <a:p>
+            <a:pPr marL="171450" indent="-171450" rtl="0">
+              <a:buFont typeface="Arial" panose="020B0604020202020204" pitchFamily="34" charset="0"/>
+              <a:buChar char="•"/>
+            </a:pPr>
+            <a:r>
+              <a:rPr lang="en-US" altLang="zh-TW" sz="1200" b="0" i="0" kern="1200" dirty="0" smtClean="0">
+                <a:solidFill>
+                  <a:schemeClr val="tx1"/>
+                </a:solidFill>
+                <a:effectLst/>
+                <a:latin typeface="+mn-lt"/>
+                <a:ea typeface="+mn-ea"/>
+                <a:cs typeface="+mn-cs"/>
+              </a:rPr>
+              <a:t>Use $</a:t>
+            </a:r>
+            <a:r>
+              <a:rPr lang="en-US" altLang="zh-TW" dirty="0" err="1" smtClean="0"/>
+              <a:t>docker</a:t>
+            </a:r>
+            <a:r>
+              <a:rPr lang="en-US" altLang="zh-TW" dirty="0" smtClean="0"/>
+              <a:t> </a:t>
+            </a:r>
+            <a:r>
+              <a:rPr lang="en-US" altLang="zh-TW" dirty="0" err="1" smtClean="0"/>
+              <a:t>rm</a:t>
+            </a:r>
+            <a:r>
+              <a:rPr lang="en-US" altLang="zh-TW" dirty="0" smtClean="0"/>
+              <a:t> -v</a:t>
+            </a:r>
+            <a:r>
+              <a:rPr lang="en-US" altLang="zh-TW" sz="1200" b="0" i="0" kern="1200" dirty="0" smtClean="0">
+                <a:solidFill>
+                  <a:schemeClr val="tx1"/>
+                </a:solidFill>
+                <a:effectLst/>
+                <a:latin typeface="+mn-lt"/>
+                <a:ea typeface="+mn-ea"/>
+                <a:cs typeface="+mn-cs"/>
+              </a:rPr>
+              <a:t> if you want the volume to deleted when a container is deleted.</a:t>
+            </a:r>
+          </a:p>
+          <a:p>
+            <a:pPr marL="171450" indent="-171450" rtl="0">
+              <a:buFont typeface="Arial" panose="020B0604020202020204" pitchFamily="34" charset="0"/>
+              <a:buChar char="•"/>
+            </a:pPr>
+            <a:endParaRPr lang="en-US" altLang="zh-TW" sz="1200" b="0" i="0" kern="1200" dirty="0" smtClean="0">
+              <a:solidFill>
+                <a:schemeClr val="tx1"/>
+              </a:solidFill>
+              <a:effectLst/>
+              <a:latin typeface="+mn-lt"/>
+              <a:ea typeface="+mn-ea"/>
+              <a:cs typeface="+mn-cs"/>
+            </a:endParaRPr>
+          </a:p>
+          <a:p>
+            <a:pPr marL="171450" indent="-171450" rtl="0">
+              <a:buFont typeface="Arial" panose="020B0604020202020204" pitchFamily="34" charset="0"/>
+              <a:buChar char="•"/>
+            </a:pPr>
+            <a:endParaRPr lang="en-US" altLang="zh-TW" sz="1200" b="0" i="0" kern="1200" dirty="0" smtClean="0">
+              <a:solidFill>
+                <a:schemeClr val="tx1"/>
+              </a:solidFill>
+              <a:effectLst/>
+              <a:latin typeface="+mn-lt"/>
+              <a:ea typeface="+mn-ea"/>
+              <a:cs typeface="+mn-cs"/>
+            </a:endParaRPr>
+          </a:p>
+          <a:p>
+            <a:r>
+              <a:rPr lang="en-US" altLang="zh-TW" sz="1200" b="1" i="0" u="sng" kern="1200" dirty="0" smtClean="0">
+                <a:solidFill>
+                  <a:schemeClr val="tx1"/>
+                </a:solidFill>
+                <a:effectLst/>
+                <a:latin typeface="+mn-lt"/>
+                <a:ea typeface="+mn-ea"/>
+                <a:cs typeface="+mn-cs"/>
+              </a:rPr>
+              <a:t>Mount host directory</a:t>
+            </a:r>
+          </a:p>
+          <a:p>
+            <a:r>
+              <a:rPr lang="en-US" altLang="zh-TW" sz="1200" b="0" i="0" kern="1200" dirty="0" smtClean="0">
+                <a:solidFill>
+                  <a:schemeClr val="tx1"/>
+                </a:solidFill>
+                <a:effectLst/>
+                <a:latin typeface="+mn-lt"/>
+                <a:ea typeface="+mn-ea"/>
+                <a:cs typeface="+mn-cs"/>
+              </a:rPr>
+              <a:t>Use --mount to mount a host directory as a data volume.</a:t>
+            </a:r>
+          </a:p>
+          <a:p>
+            <a:r>
+              <a:rPr lang="en-US" altLang="zh-TW" sz="1200" b="0" i="0" kern="1200" dirty="0" smtClean="0">
+                <a:solidFill>
+                  <a:schemeClr val="tx1"/>
+                </a:solidFill>
+                <a:effectLst/>
+                <a:latin typeface="+mn-lt"/>
+                <a:ea typeface="+mn-ea"/>
+                <a:cs typeface="+mn-cs"/>
+              </a:rPr>
+              <a:t>Use the mount host directory </a:t>
+            </a:r>
+            <a:r>
+              <a:rPr lang="en-US" altLang="zh-TW" sz="1200" b="1" i="1" u="sng" kern="1200" dirty="0" smtClean="0">
+                <a:solidFill>
+                  <a:schemeClr val="tx1"/>
+                </a:solidFill>
+                <a:effectLst/>
+                <a:latin typeface="+mn-lt"/>
+                <a:ea typeface="+mn-ea"/>
+                <a:cs typeface="+mn-cs"/>
+              </a:rPr>
+              <a:t>for testing purposes.</a:t>
+            </a:r>
+          </a:p>
+          <a:p>
+            <a:endParaRPr lang="en-US" altLang="zh-TW" sz="1200" b="0" i="0" kern="1200" dirty="0" smtClean="0">
+              <a:solidFill>
+                <a:schemeClr val="tx1"/>
+              </a:solidFill>
+              <a:effectLst/>
+              <a:latin typeface="+mn-lt"/>
+              <a:ea typeface="+mn-ea"/>
+              <a:cs typeface="+mn-cs"/>
+            </a:endParaRPr>
+          </a:p>
+          <a:p>
+            <a:pPr rtl="0"/>
+            <a:r>
+              <a:rPr lang="en-US" altLang="zh-TW" sz="1200" b="0" i="0" kern="1200" dirty="0" smtClean="0">
+                <a:solidFill>
+                  <a:schemeClr val="tx1"/>
+                </a:solidFill>
+                <a:effectLst/>
+                <a:latin typeface="+mn-lt"/>
+                <a:ea typeface="+mn-ea"/>
+                <a:cs typeface="+mn-cs"/>
+              </a:rPr>
+              <a:t>$ </a:t>
+            </a:r>
+            <a:r>
+              <a:rPr lang="en-US" altLang="zh-TW" sz="1200" b="0" i="0" kern="1200" dirty="0" err="1" smtClean="0">
+                <a:solidFill>
+                  <a:schemeClr val="tx1"/>
+                </a:solidFill>
+                <a:effectLst/>
+                <a:latin typeface="+mn-lt"/>
+                <a:ea typeface="+mn-ea"/>
+                <a:cs typeface="+mn-cs"/>
+              </a:rPr>
+              <a:t>docker</a:t>
+            </a:r>
+            <a:r>
+              <a:rPr lang="en-US" altLang="zh-TW" sz="1200" b="0" i="0" kern="1200" dirty="0" smtClean="0">
+                <a:solidFill>
+                  <a:schemeClr val="tx1"/>
+                </a:solidFill>
+                <a:effectLst/>
+                <a:latin typeface="+mn-lt"/>
+                <a:ea typeface="+mn-ea"/>
+                <a:cs typeface="+mn-cs"/>
+              </a:rPr>
+              <a:t> run -d -P \</a:t>
+            </a:r>
+          </a:p>
+          <a:p>
+            <a:pPr rtl="0"/>
+            <a:r>
+              <a:rPr lang="en-US" altLang="zh-TW" sz="1200" b="0" i="0" kern="1200" dirty="0" smtClean="0">
+                <a:solidFill>
+                  <a:schemeClr val="tx1"/>
+                </a:solidFill>
+                <a:effectLst/>
+                <a:latin typeface="+mn-lt"/>
+                <a:ea typeface="+mn-ea"/>
+                <a:cs typeface="+mn-cs"/>
+              </a:rPr>
+              <a:t>--name web \</a:t>
+            </a:r>
+          </a:p>
+          <a:p>
+            <a:pPr rtl="0"/>
+            <a:r>
+              <a:rPr lang="en-US" altLang="zh-TW" sz="1200" b="0" i="0" kern="1200" dirty="0" smtClean="0">
+                <a:solidFill>
+                  <a:schemeClr val="tx1"/>
+                </a:solidFill>
+                <a:effectLst/>
+                <a:latin typeface="+mn-lt"/>
+                <a:ea typeface="+mn-ea"/>
+                <a:cs typeface="+mn-cs"/>
+              </a:rPr>
+              <a:t>--mount type=</a:t>
+            </a:r>
+            <a:r>
+              <a:rPr lang="en-US" altLang="zh-TW" sz="1200" b="0" i="0" kern="1200" dirty="0" err="1" smtClean="0">
+                <a:solidFill>
+                  <a:schemeClr val="tx1"/>
+                </a:solidFill>
+                <a:effectLst/>
+                <a:latin typeface="+mn-lt"/>
+                <a:ea typeface="+mn-ea"/>
+                <a:cs typeface="+mn-cs"/>
+              </a:rPr>
+              <a:t>bind,source</a:t>
+            </a:r>
+            <a:r>
+              <a:rPr lang="en-US" altLang="zh-TW" sz="1200" b="0" i="0" kern="1200" dirty="0" smtClean="0">
+                <a:solidFill>
+                  <a:schemeClr val="tx1"/>
+                </a:solidFill>
+                <a:effectLst/>
+                <a:latin typeface="+mn-lt"/>
+                <a:ea typeface="+mn-ea"/>
+                <a:cs typeface="+mn-cs"/>
+              </a:rPr>
+              <a:t>=/</a:t>
+            </a:r>
+            <a:r>
+              <a:rPr lang="en-US" altLang="zh-TW" sz="1200" b="0" i="0" kern="1200" dirty="0" err="1" smtClean="0">
+                <a:solidFill>
+                  <a:schemeClr val="tx1"/>
+                </a:solidFill>
+                <a:effectLst/>
+                <a:latin typeface="+mn-lt"/>
+                <a:ea typeface="+mn-ea"/>
+                <a:cs typeface="+mn-cs"/>
+              </a:rPr>
+              <a:t>src</a:t>
+            </a:r>
+            <a:r>
+              <a:rPr lang="en-US" altLang="zh-TW" sz="1200" b="0" i="0" kern="1200" dirty="0" smtClean="0">
+                <a:solidFill>
+                  <a:schemeClr val="tx1"/>
+                </a:solidFill>
+                <a:effectLst/>
+                <a:latin typeface="+mn-lt"/>
+                <a:ea typeface="+mn-ea"/>
+                <a:cs typeface="+mn-cs"/>
+              </a:rPr>
+              <a:t>/</a:t>
+            </a:r>
+            <a:r>
+              <a:rPr lang="en-US" altLang="zh-TW" sz="1200" b="0" i="0" kern="1200" dirty="0" err="1" smtClean="0">
+                <a:solidFill>
+                  <a:schemeClr val="tx1"/>
+                </a:solidFill>
+                <a:effectLst/>
+                <a:latin typeface="+mn-lt"/>
+                <a:ea typeface="+mn-ea"/>
+                <a:cs typeface="+mn-cs"/>
+              </a:rPr>
+              <a:t>webapp,target</a:t>
+            </a:r>
+            <a:r>
+              <a:rPr lang="en-US" altLang="zh-TW" sz="1200" b="0" i="0" kern="1200" dirty="0" smtClean="0">
+                <a:solidFill>
+                  <a:schemeClr val="tx1"/>
+                </a:solidFill>
+                <a:effectLst/>
+                <a:latin typeface="+mn-lt"/>
+                <a:ea typeface="+mn-ea"/>
+                <a:cs typeface="+mn-cs"/>
+              </a:rPr>
+              <a:t>=/opt/</a:t>
+            </a:r>
+            <a:r>
+              <a:rPr lang="en-US" altLang="zh-TW" sz="1200" b="0" i="0" kern="1200" dirty="0" err="1" smtClean="0">
+                <a:solidFill>
+                  <a:schemeClr val="tx1"/>
+                </a:solidFill>
+                <a:effectLst/>
+                <a:latin typeface="+mn-lt"/>
+                <a:ea typeface="+mn-ea"/>
+                <a:cs typeface="+mn-cs"/>
+              </a:rPr>
+              <a:t>webapp</a:t>
+            </a:r>
+            <a:r>
+              <a:rPr lang="en-US" altLang="zh-TW" sz="1200" b="0" i="0" kern="1200" dirty="0" smtClean="0">
+                <a:solidFill>
+                  <a:schemeClr val="tx1"/>
+                </a:solidFill>
+                <a:effectLst/>
+                <a:latin typeface="+mn-lt"/>
+                <a:ea typeface="+mn-ea"/>
+                <a:cs typeface="+mn-cs"/>
+              </a:rPr>
+              <a:t> \</a:t>
+            </a:r>
+          </a:p>
+          <a:p>
+            <a:pPr rtl="0"/>
+            <a:r>
+              <a:rPr lang="en-US" altLang="zh-TW" sz="1200" b="0" i="0" kern="1200" dirty="0" smtClean="0">
+                <a:solidFill>
+                  <a:schemeClr val="tx1"/>
+                </a:solidFill>
+                <a:effectLst/>
+                <a:latin typeface="+mn-lt"/>
+                <a:ea typeface="+mn-ea"/>
+                <a:cs typeface="+mn-cs"/>
+              </a:rPr>
+              <a:t>training/</a:t>
+            </a:r>
+            <a:r>
+              <a:rPr lang="en-US" altLang="zh-TW" sz="1200" b="0" i="0" kern="1200" dirty="0" err="1" smtClean="0">
+                <a:solidFill>
+                  <a:schemeClr val="tx1"/>
+                </a:solidFill>
+                <a:effectLst/>
+                <a:latin typeface="+mn-lt"/>
+                <a:ea typeface="+mn-ea"/>
+                <a:cs typeface="+mn-cs"/>
+              </a:rPr>
+              <a:t>webapp</a:t>
+            </a:r>
+            <a:r>
+              <a:rPr lang="en-US" altLang="zh-TW" sz="1200" b="0" i="0" kern="1200" dirty="0" smtClean="0">
+                <a:solidFill>
+                  <a:schemeClr val="tx1"/>
+                </a:solidFill>
+                <a:effectLst/>
+                <a:latin typeface="+mn-lt"/>
+                <a:ea typeface="+mn-ea"/>
+                <a:cs typeface="+mn-cs"/>
+              </a:rPr>
+              <a:t> \</a:t>
+            </a:r>
+          </a:p>
+          <a:p>
+            <a:pPr rtl="0"/>
+            <a:r>
+              <a:rPr lang="en-US" altLang="zh-TW" sz="1200" b="0" i="0" kern="1200" dirty="0" smtClean="0">
+                <a:solidFill>
+                  <a:schemeClr val="tx1"/>
+                </a:solidFill>
+                <a:effectLst/>
+                <a:latin typeface="+mn-lt"/>
+                <a:ea typeface="+mn-ea"/>
+                <a:cs typeface="+mn-cs"/>
+              </a:rPr>
+              <a:t>python app.py</a:t>
+            </a:r>
+          </a:p>
+          <a:p>
+            <a:pPr marL="0" indent="0" rtl="0">
+              <a:buFont typeface="Arial" panose="020B0604020202020204" pitchFamily="34" charset="0"/>
+              <a:buNone/>
+            </a:pPr>
+            <a:endParaRPr lang="en-US" altLang="zh-TW" sz="1200" b="0" i="0" kern="1200" dirty="0">
+              <a:solidFill>
+                <a:schemeClr val="tx1"/>
+              </a:solidFill>
+              <a:effectLst/>
+              <a:latin typeface="+mn-lt"/>
+              <a:ea typeface="+mn-ea"/>
+              <a:cs typeface="+mn-cs"/>
+            </a:endParaRPr>
+          </a:p>
+        </p:txBody>
+      </p:sp>
+      <p:sp>
+        <p:nvSpPr>
+          <p:cNvPr id="4" name="投影片編號版面配置區 3"/>
+          <p:cNvSpPr>
+            <a:spLocks noGrp="1"/>
+          </p:cNvSpPr>
+          <p:nvPr>
+            <p:ph type="sldNum" sz="quarter" idx="10"/>
+          </p:nvPr>
+        </p:nvSpPr>
+        <p:spPr/>
+        <p:txBody>
+          <a:bodyPr/>
+          <a:lstStyle/>
+          <a:p>
+            <a:fld id="{762C10F9-1313-4CC6-801B-630A787ADD62}" type="slidenum">
+              <a:rPr lang="zh-TW" altLang="en-US" smtClean="0"/>
+              <a:t>24</a:t>
+            </a:fld>
+            <a:endParaRPr lang="zh-TW" altLang="en-US"/>
+          </a:p>
+        </p:txBody>
+      </p:sp>
+    </p:spTree>
+    <p:extLst>
+      <p:ext uri="{BB962C8B-B14F-4D97-AF65-F5344CB8AC3E}">
+        <p14:creationId xmlns:p14="http://schemas.microsoft.com/office/powerpoint/2010/main" val="788439742"/>
       </p:ext>
     </p:extLst>
   </p:cSld>
@@ -2856,7 +4846,7 @@
                 <a:tabLst/>
                 <a:defRPr/>
               </a:pPr>
-              <a:t>2020/11/27</a:t>
+              <a:t>2020/11/30</a:t>
             </a:fld>
             <a:endParaRPr kumimoji="0" lang="zh-TW" altLang="en-US" sz="1200" b="0" i="0" u="none" strike="noStrike" kern="1200" cap="none" spc="0" normalizeH="0" baseline="0" noProof="0">
               <a:ln>
@@ -3139,7 +5129,7 @@
                 <a:tabLst/>
                 <a:defRPr/>
               </a:pPr>
-              <a:t>2020/11/27</a:t>
+              <a:t>2020/11/30</a:t>
             </a:fld>
             <a:endParaRPr kumimoji="0" lang="zh-TW" altLang="en-US" sz="1200" b="0" i="0" u="none" strike="noStrike" kern="1200" cap="none" spc="0" normalizeH="0" baseline="0" noProof="0">
               <a:ln>
@@ -3422,7 +5412,7 @@
                 <a:tabLst/>
                 <a:defRPr/>
               </a:pPr>
-              <a:t>2020/11/27</a:t>
+              <a:t>2020/11/30</a:t>
             </a:fld>
             <a:endParaRPr kumimoji="0" lang="zh-TW" altLang="en-US" sz="1200" b="0" i="0" u="none" strike="noStrike" kern="1200" cap="none" spc="0" normalizeH="0" baseline="0" noProof="0">
               <a:ln>
@@ -4022,7 +6012,7 @@
           <a:p>
             <a:fld id="{1D8BD707-D9CF-40AE-B4C6-C98DA3205C09}" type="datetimeFigureOut">
               <a:rPr lang="en-US"/>
-              <a:t>11/27/2020</a:t>
+              <a:t>11/30/2020</a:t>
             </a:fld>
             <a:endParaRPr lang="en-US"/>
           </a:p>
@@ -5348,7 +7338,7 @@
           <a:p>
             <a:fld id="{1D8BD707-D9CF-40AE-B4C6-C98DA3205C09}" type="datetimeFigureOut">
               <a:rPr lang="en-US"/>
-              <a:t>11/27/2020</a:t>
+              <a:t>11/30/2020</a:t>
             </a:fld>
             <a:endParaRPr lang="en-US"/>
           </a:p>
@@ -5562,7 +7552,7 @@
           <a:p>
             <a:fld id="{1D8BD707-D9CF-40AE-B4C6-C98DA3205C09}" type="datetimeFigureOut">
               <a:rPr lang="en-US"/>
-              <a:t>11/27/2020</a:t>
+              <a:t>11/30/2020</a:t>
             </a:fld>
             <a:endParaRPr lang="en-US"/>
           </a:p>
@@ -5710,7 +7700,7 @@
           <a:p>
             <a:fld id="{1D8BD707-D9CF-40AE-B4C6-C98DA3205C09}" type="datetimeFigureOut">
               <a:rPr lang="en-US"/>
-              <a:t>11/27/2020</a:t>
+              <a:t>11/30/2020</a:t>
             </a:fld>
             <a:endParaRPr lang="en-US"/>
           </a:p>
@@ -5829,7 +7819,7 @@
           <a:p>
             <a:fld id="{1D8BD707-D9CF-40AE-B4C6-C98DA3205C09}" type="datetimeFigureOut">
               <a:rPr lang="en-US"/>
-              <a:t>11/27/2020</a:t>
+              <a:t>11/30/2020</a:t>
             </a:fld>
             <a:endParaRPr lang="en-US"/>
           </a:p>
@@ -6656,7 +8646,7 @@
           <a:p>
             <a:fld id="{1D8BD707-D9CF-40AE-B4C6-C98DA3205C09}" type="datetimeFigureOut">
               <a:rPr lang="en-US"/>
-              <a:t>11/27/2020</a:t>
+              <a:t>11/30/2020</a:t>
             </a:fld>
             <a:endParaRPr lang="en-US"/>
           </a:p>
@@ -13149,6 +15139,1090 @@
     <p:extLst>
       <p:ext uri="{BB962C8B-B14F-4D97-AF65-F5344CB8AC3E}">
         <p14:creationId xmlns:p14="http://schemas.microsoft.com/office/powerpoint/2010/main" val="4004131020"/>
+      </p:ext>
+    </p:extLst>
+  </p:cSld>
+  <p:clrMapOvr>
+    <a:masterClrMapping/>
+  </p:clrMapOvr>
+  <p:timing>
+    <p:tnLst>
+      <p:par>
+        <p:cTn id="1" dur="indefinite" restart="never" nodeType="tmRoot"/>
+      </p:par>
+    </p:tnLst>
+  </p:timing>
+</p:sld>
+</file>
+
+<file path=ppt/slides/slide22.xml><?xml version="1.0" encoding="utf-8"?>
+<p:sld xmlns:a="http://schemas.openxmlformats.org/drawingml/2006/main" xmlns:r="http://schemas.openxmlformats.org/officeDocument/2006/relationships" xmlns:p="http://schemas.openxmlformats.org/presentationml/2006/main">
+  <p:cSld>
+    <p:spTree>
+      <p:nvGrpSpPr>
+        <p:cNvPr id="1" name=""/>
+        <p:cNvGrpSpPr/>
+        <p:nvPr/>
+      </p:nvGrpSpPr>
+      <p:grpSpPr>
+        <a:xfrm>
+          <a:off x="0" y="0"/>
+          <a:ext cx="0" cy="0"/>
+          <a:chOff x="0" y="0"/>
+          <a:chExt cx="0" cy="0"/>
+        </a:xfrm>
+      </p:grpSpPr>
+      <p:sp>
+        <p:nvSpPr>
+          <p:cNvPr id="8" name="object 8"/>
+          <p:cNvSpPr txBox="1"/>
+          <p:nvPr/>
+        </p:nvSpPr>
+        <p:spPr>
+          <a:xfrm>
+            <a:off x="101600" y="2806700"/>
+            <a:ext cx="12674600" cy="4010713"/>
+          </a:xfrm>
+          <a:prstGeom prst="rect">
+            <a:avLst/>
+          </a:prstGeom>
+          <a:solidFill>
+            <a:srgbClr val="182923"/>
+          </a:solidFill>
+        </p:spPr>
+        <p:txBody>
+          <a:bodyPr vert="horz" wrap="square" lIns="0" tIns="29845" rIns="0" bIns="0" rtlCol="0">
+            <a:spAutoFit/>
+          </a:bodyPr>
+          <a:lstStyle/>
+          <a:p>
+            <a:pPr marL="50165">
+              <a:lnSpc>
+                <a:spcPct val="100000"/>
+              </a:lnSpc>
+              <a:spcBef>
+                <a:spcPts val="235"/>
+              </a:spcBef>
+              <a:tabLst>
+                <a:tab pos="553085" algn="l"/>
+              </a:tabLst>
+            </a:pPr>
+            <a:r>
+              <a:rPr sz="3600" dirty="0" smtClean="0">
+                <a:solidFill>
+                  <a:srgbClr val="FFFFFF"/>
+                </a:solidFill>
+                <a:latin typeface="Consolas"/>
+                <a:cs typeface="Consolas"/>
+              </a:rPr>
+              <a:t>$</a:t>
+            </a:r>
+            <a:r>
+              <a:rPr lang="en-US" sz="3600" dirty="0" err="1">
+                <a:solidFill>
+                  <a:schemeClr val="bg1"/>
+                </a:solidFill>
+                <a:latin typeface="Consolas"/>
+                <a:cs typeface="Consolas"/>
+              </a:rPr>
+              <a:t>docker</a:t>
+            </a:r>
+            <a:r>
+              <a:rPr lang="en-US" sz="3600" dirty="0">
+                <a:solidFill>
+                  <a:schemeClr val="bg1"/>
+                </a:solidFill>
+                <a:latin typeface="Consolas"/>
+                <a:cs typeface="Consolas"/>
+              </a:rPr>
+              <a:t> container logs -f </a:t>
+            </a:r>
+            <a:r>
+              <a:rPr lang="en-US" sz="3600" dirty="0" err="1">
+                <a:solidFill>
+                  <a:schemeClr val="bg1"/>
+                </a:solidFill>
+                <a:latin typeface="Consolas"/>
+                <a:cs typeface="Consolas"/>
+              </a:rPr>
+              <a:t>nginx</a:t>
+            </a:r>
+            <a:r>
+              <a:rPr lang="en-US" sz="3600" dirty="0">
+                <a:solidFill>
+                  <a:schemeClr val="bg1"/>
+                </a:solidFill>
+                <a:latin typeface="Consolas"/>
+                <a:cs typeface="Consolas"/>
+              </a:rPr>
+              <a:t>-test</a:t>
+            </a:r>
+            <a:endParaRPr lang="en-US" sz="3600" dirty="0" smtClean="0">
+              <a:solidFill>
+                <a:srgbClr val="FF0000"/>
+              </a:solidFill>
+              <a:latin typeface="Consolas"/>
+              <a:cs typeface="Consolas"/>
+            </a:endParaRPr>
+          </a:p>
+          <a:p>
+            <a:pPr marL="50165">
+              <a:spcBef>
+                <a:spcPts val="235"/>
+              </a:spcBef>
+              <a:tabLst>
+                <a:tab pos="553085" algn="l"/>
+              </a:tabLst>
+            </a:pPr>
+            <a:r>
+              <a:rPr lang="en-US" altLang="zh-TW" sz="3600" dirty="0">
+                <a:solidFill>
+                  <a:schemeClr val="bg1"/>
+                </a:solidFill>
+                <a:latin typeface="Consolas"/>
+                <a:cs typeface="Consolas"/>
+              </a:rPr>
+              <a:t>$</a:t>
+            </a:r>
+            <a:r>
+              <a:rPr lang="en-US" altLang="zh-TW" sz="3600" dirty="0">
+                <a:solidFill>
+                  <a:schemeClr val="bg1"/>
+                </a:solidFill>
+                <a:latin typeface="Consolas"/>
+                <a:cs typeface="Consolas"/>
+              </a:rPr>
+              <a:t>$</a:t>
+            </a:r>
+            <a:r>
+              <a:rPr lang="en-US" altLang="zh-TW" sz="3600" dirty="0" err="1">
+                <a:solidFill>
+                  <a:schemeClr val="bg1"/>
+                </a:solidFill>
+                <a:latin typeface="Consolas"/>
+                <a:cs typeface="Consolas"/>
+              </a:rPr>
+              <a:t>docker</a:t>
+            </a:r>
+            <a:r>
+              <a:rPr lang="en-US" altLang="zh-TW" sz="3600" dirty="0">
+                <a:solidFill>
+                  <a:schemeClr val="bg1"/>
+                </a:solidFill>
+                <a:latin typeface="Consolas"/>
+                <a:cs typeface="Consolas"/>
+              </a:rPr>
+              <a:t> top </a:t>
+            </a:r>
+            <a:r>
+              <a:rPr lang="en-US" altLang="zh-TW" sz="3600" dirty="0">
+                <a:solidFill>
+                  <a:schemeClr val="bg1"/>
+                </a:solidFill>
+                <a:latin typeface="Consolas"/>
+                <a:cs typeface="Consolas"/>
+              </a:rPr>
+              <a:t>test-</a:t>
+            </a:r>
+            <a:r>
+              <a:rPr lang="en-US" altLang="zh-TW" sz="3600" dirty="0" err="1">
+                <a:solidFill>
+                  <a:schemeClr val="bg1"/>
+                </a:solidFill>
+                <a:latin typeface="Consolas"/>
+                <a:cs typeface="Consolas"/>
+              </a:rPr>
+              <a:t>nginx</a:t>
+            </a:r>
+            <a:endParaRPr lang="en-US" sz="3600" dirty="0">
+              <a:solidFill>
+                <a:schemeClr val="bg1"/>
+              </a:solidFill>
+              <a:latin typeface="Consolas"/>
+              <a:cs typeface="Consolas"/>
+            </a:endParaRPr>
+          </a:p>
+          <a:p>
+            <a:pPr marL="50165">
+              <a:lnSpc>
+                <a:spcPct val="100000"/>
+              </a:lnSpc>
+              <a:spcBef>
+                <a:spcPts val="235"/>
+              </a:spcBef>
+              <a:tabLst>
+                <a:tab pos="553085" algn="l"/>
+              </a:tabLst>
+            </a:pPr>
+            <a:r>
+              <a:rPr lang="en-US" altLang="zh-TW" sz="3600" dirty="0">
+                <a:solidFill>
+                  <a:schemeClr val="bg1"/>
+                </a:solidFill>
+                <a:latin typeface="Consolas"/>
+                <a:cs typeface="Consolas"/>
+              </a:rPr>
+              <a:t>$</a:t>
+            </a:r>
+            <a:r>
+              <a:rPr lang="en-US" altLang="zh-TW" sz="3600" dirty="0" err="1">
+                <a:solidFill>
+                  <a:schemeClr val="bg1"/>
+                </a:solidFill>
+                <a:latin typeface="Consolas"/>
+                <a:cs typeface="Consolas"/>
+              </a:rPr>
+              <a:t>docker</a:t>
+            </a:r>
+            <a:r>
+              <a:rPr lang="en-US" altLang="zh-TW" sz="3600" dirty="0">
+                <a:solidFill>
+                  <a:schemeClr val="bg1"/>
+                </a:solidFill>
+                <a:latin typeface="Consolas"/>
+                <a:cs typeface="Consolas"/>
+              </a:rPr>
+              <a:t> stats test-</a:t>
+            </a:r>
+            <a:r>
+              <a:rPr lang="en-US" altLang="zh-TW" sz="3600" dirty="0" err="1">
+                <a:solidFill>
+                  <a:schemeClr val="bg1"/>
+                </a:solidFill>
+                <a:latin typeface="Consolas"/>
+                <a:cs typeface="Consolas"/>
+              </a:rPr>
+              <a:t>nginx</a:t>
+            </a:r>
+            <a:endParaRPr lang="en-US" sz="3600" dirty="0">
+              <a:solidFill>
+                <a:schemeClr val="bg1"/>
+              </a:solidFill>
+              <a:latin typeface="Consolas"/>
+              <a:cs typeface="Consolas"/>
+            </a:endParaRPr>
+          </a:p>
+          <a:p>
+            <a:pPr marL="50165">
+              <a:spcBef>
+                <a:spcPts val="235"/>
+              </a:spcBef>
+              <a:tabLst>
+                <a:tab pos="553085" algn="l"/>
+              </a:tabLst>
+            </a:pPr>
+            <a:r>
+              <a:rPr lang="en-US" altLang="zh-TW" sz="3600" dirty="0">
+                <a:solidFill>
+                  <a:schemeClr val="bg1"/>
+                </a:solidFill>
+                <a:latin typeface="Consolas"/>
+                <a:cs typeface="Consolas"/>
+              </a:rPr>
+              <a:t>$</a:t>
+            </a:r>
+            <a:r>
+              <a:rPr lang="en-US" altLang="zh-TW" sz="3600" dirty="0" err="1">
+                <a:solidFill>
+                  <a:schemeClr val="bg1"/>
+                </a:solidFill>
+                <a:latin typeface="Consolas"/>
+                <a:cs typeface="Consolas"/>
+              </a:rPr>
+              <a:t>docker</a:t>
+            </a:r>
+            <a:r>
+              <a:rPr lang="en-US" altLang="zh-TW" sz="3600" dirty="0">
+                <a:solidFill>
+                  <a:schemeClr val="bg1"/>
+                </a:solidFill>
+                <a:latin typeface="Consolas"/>
+                <a:cs typeface="Consolas"/>
+              </a:rPr>
+              <a:t> container run -d --name test-</a:t>
+            </a:r>
+            <a:r>
+              <a:rPr lang="en-US" altLang="zh-TW" sz="3600" dirty="0" err="1">
+                <a:solidFill>
+                  <a:schemeClr val="bg1"/>
+                </a:solidFill>
+                <a:latin typeface="Consolas"/>
+                <a:cs typeface="Consolas"/>
+              </a:rPr>
+              <a:t>nginx</a:t>
+            </a:r>
+            <a:r>
+              <a:rPr lang="en-US" altLang="zh-TW" sz="3600" dirty="0">
+                <a:solidFill>
+                  <a:schemeClr val="bg1"/>
+                </a:solidFill>
+                <a:latin typeface="Consolas"/>
+                <a:cs typeface="Consolas"/>
+              </a:rPr>
+              <a:t> --</a:t>
+            </a:r>
+            <a:r>
+              <a:rPr lang="en-US" altLang="zh-TW" sz="3600" dirty="0" err="1">
+                <a:solidFill>
+                  <a:schemeClr val="bg1"/>
+                </a:solidFill>
+                <a:latin typeface="Consolas"/>
+                <a:cs typeface="Consolas"/>
+              </a:rPr>
+              <a:t>cpu</a:t>
+            </a:r>
+            <a:r>
+              <a:rPr lang="en-US" altLang="zh-TW" sz="3600" dirty="0">
+                <a:solidFill>
+                  <a:schemeClr val="bg1"/>
+                </a:solidFill>
+                <a:latin typeface="Consolas"/>
+                <a:cs typeface="Consolas"/>
+              </a:rPr>
+              <a:t>-shares 512 --memory 128M -p 8080:80 </a:t>
+            </a:r>
+            <a:r>
+              <a:rPr lang="en-US" altLang="zh-TW" sz="3600" dirty="0" err="1">
+                <a:solidFill>
+                  <a:schemeClr val="bg1"/>
+                </a:solidFill>
+                <a:latin typeface="Consolas"/>
+                <a:cs typeface="Consolas"/>
+              </a:rPr>
+              <a:t>nginx</a:t>
+            </a:r>
+            <a:endParaRPr lang="en-US" altLang="zh-TW" sz="3600" dirty="0">
+              <a:solidFill>
+                <a:schemeClr val="bg1"/>
+              </a:solidFill>
+              <a:latin typeface="Consolas"/>
+              <a:cs typeface="Consolas"/>
+            </a:endParaRPr>
+          </a:p>
+          <a:p>
+            <a:pPr marL="50165">
+              <a:spcBef>
+                <a:spcPts val="235"/>
+              </a:spcBef>
+              <a:tabLst>
+                <a:tab pos="553085" algn="l"/>
+              </a:tabLst>
+            </a:pPr>
+            <a:r>
+              <a:rPr lang="en-US" altLang="zh-TW" sz="3600" dirty="0">
+                <a:solidFill>
+                  <a:schemeClr val="bg1"/>
+                </a:solidFill>
+                <a:latin typeface="Consolas"/>
+                <a:cs typeface="Consolas"/>
+              </a:rPr>
+              <a:t>$</a:t>
+            </a:r>
+            <a:r>
+              <a:rPr lang="en-US" altLang="zh-TW" sz="3600" dirty="0" err="1">
+                <a:solidFill>
+                  <a:schemeClr val="bg1"/>
+                </a:solidFill>
+                <a:latin typeface="Consolas"/>
+                <a:cs typeface="Consolas"/>
+              </a:rPr>
+              <a:t>docker</a:t>
+            </a:r>
+            <a:r>
+              <a:rPr lang="en-US" altLang="zh-TW" sz="3600" dirty="0">
+                <a:solidFill>
+                  <a:schemeClr val="bg1"/>
+                </a:solidFill>
+                <a:latin typeface="Consolas"/>
+                <a:cs typeface="Consolas"/>
+              </a:rPr>
+              <a:t> container update --</a:t>
+            </a:r>
+            <a:r>
+              <a:rPr lang="en-US" altLang="zh-TW" sz="3600" dirty="0" err="1">
+                <a:solidFill>
+                  <a:schemeClr val="bg1"/>
+                </a:solidFill>
+                <a:latin typeface="Consolas"/>
+                <a:cs typeface="Consolas"/>
+              </a:rPr>
+              <a:t>cpu</a:t>
+            </a:r>
+            <a:r>
+              <a:rPr lang="en-US" altLang="zh-TW" sz="3600" dirty="0">
+                <a:solidFill>
+                  <a:schemeClr val="bg1"/>
+                </a:solidFill>
+                <a:latin typeface="Consolas"/>
+                <a:cs typeface="Consolas"/>
+              </a:rPr>
+              <a:t>-shares 512 --memory 128M --memory-swap 256M test-</a:t>
+            </a:r>
+            <a:r>
+              <a:rPr lang="en-US" altLang="zh-TW" sz="3600" dirty="0" err="1">
+                <a:solidFill>
+                  <a:schemeClr val="bg1"/>
+                </a:solidFill>
+                <a:latin typeface="Consolas"/>
+                <a:cs typeface="Consolas"/>
+              </a:rPr>
+              <a:t>nginx</a:t>
+            </a:r>
+            <a:endParaRPr sz="3600" dirty="0">
+              <a:solidFill>
+                <a:schemeClr val="bg1"/>
+              </a:solidFill>
+              <a:latin typeface="Consolas"/>
+              <a:cs typeface="Consolas"/>
+            </a:endParaRPr>
+          </a:p>
+        </p:txBody>
+      </p:sp>
+      <p:sp>
+        <p:nvSpPr>
+          <p:cNvPr id="6" name="object 5"/>
+          <p:cNvSpPr txBox="1">
+            <a:spLocks/>
+          </p:cNvSpPr>
+          <p:nvPr/>
+        </p:nvSpPr>
+        <p:spPr>
+          <a:xfrm>
+            <a:off x="1778000" y="903391"/>
+            <a:ext cx="9655423" cy="936154"/>
+          </a:xfrm>
+          <a:prstGeom prst="rect">
+            <a:avLst/>
+          </a:prstGeom>
+        </p:spPr>
+        <p:txBody>
+          <a:bodyPr vert="horz" wrap="square" lIns="0" tIns="12700" rIns="0" bIns="0" rtlCol="0">
+            <a:spAutoFit/>
+          </a:bodyPr>
+          <a:lstStyle>
+            <a:lvl1pPr>
+              <a:defRPr sz="2600" b="1" i="0">
+                <a:solidFill>
+                  <a:srgbClr val="0365C0"/>
+                </a:solidFill>
+                <a:latin typeface="Arial"/>
+                <a:ea typeface="+mj-ea"/>
+                <a:cs typeface="Arial"/>
+              </a:defRPr>
+            </a:lvl1pPr>
+          </a:lstStyle>
+          <a:p>
+            <a:pPr marL="38100" algn="ctr">
+              <a:spcBef>
+                <a:spcPts val="100"/>
+              </a:spcBef>
+            </a:pPr>
+            <a:r>
+              <a:rPr lang="en-US" altLang="zh-TW" sz="6000" kern="0" dirty="0" smtClean="0">
+                <a:latin typeface="Microsoft JhengHei"/>
+                <a:cs typeface="Microsoft JhengHei"/>
+              </a:rPr>
+              <a:t>Logs</a:t>
+            </a:r>
+            <a:r>
+              <a:rPr lang="zh-TW" altLang="en-US" sz="6000" kern="0" dirty="0" smtClean="0">
+                <a:latin typeface="Microsoft JhengHei"/>
+                <a:cs typeface="Microsoft JhengHei"/>
+              </a:rPr>
+              <a:t>及執行程序管理</a:t>
+            </a:r>
+            <a:endParaRPr lang="zh-TW" altLang="en-US" sz="6000" kern="0" dirty="0">
+              <a:latin typeface="Microsoft JhengHei"/>
+              <a:cs typeface="Microsoft JhengHei"/>
+            </a:endParaRPr>
+          </a:p>
+        </p:txBody>
+      </p:sp>
+    </p:spTree>
+    <p:extLst>
+      <p:ext uri="{BB962C8B-B14F-4D97-AF65-F5344CB8AC3E}">
+        <p14:creationId xmlns:p14="http://schemas.microsoft.com/office/powerpoint/2010/main" val="2245531290"/>
+      </p:ext>
+    </p:extLst>
+  </p:cSld>
+  <p:clrMapOvr>
+    <a:masterClrMapping/>
+  </p:clrMapOvr>
+  <p:timing>
+    <p:tnLst>
+      <p:par>
+        <p:cTn id="1" dur="indefinite" restart="never" nodeType="tmRoot"/>
+      </p:par>
+    </p:tnLst>
+  </p:timing>
+</p:sld>
+</file>
+
+<file path=ppt/slides/slide23.xml><?xml version="1.0" encoding="utf-8"?>
+<p:sld xmlns:a="http://schemas.openxmlformats.org/drawingml/2006/main" xmlns:r="http://schemas.openxmlformats.org/officeDocument/2006/relationships" xmlns:p="http://schemas.openxmlformats.org/presentationml/2006/main">
+  <p:cSld>
+    <p:spTree>
+      <p:nvGrpSpPr>
+        <p:cNvPr id="1" name=""/>
+        <p:cNvGrpSpPr/>
+        <p:nvPr/>
+      </p:nvGrpSpPr>
+      <p:grpSpPr>
+        <a:xfrm>
+          <a:off x="0" y="0"/>
+          <a:ext cx="0" cy="0"/>
+          <a:chOff x="0" y="0"/>
+          <a:chExt cx="0" cy="0"/>
+        </a:xfrm>
+      </p:grpSpPr>
+      <p:sp>
+        <p:nvSpPr>
+          <p:cNvPr id="6" name="object 5"/>
+          <p:cNvSpPr txBox="1">
+            <a:spLocks/>
+          </p:cNvSpPr>
+          <p:nvPr/>
+        </p:nvSpPr>
+        <p:spPr>
+          <a:xfrm>
+            <a:off x="1778000" y="903391"/>
+            <a:ext cx="9655423" cy="936154"/>
+          </a:xfrm>
+          <a:prstGeom prst="rect">
+            <a:avLst/>
+          </a:prstGeom>
+        </p:spPr>
+        <p:txBody>
+          <a:bodyPr vert="horz" wrap="square" lIns="0" tIns="12700" rIns="0" bIns="0" rtlCol="0">
+            <a:spAutoFit/>
+          </a:bodyPr>
+          <a:lstStyle>
+            <a:lvl1pPr>
+              <a:defRPr sz="2600" b="1" i="0">
+                <a:solidFill>
+                  <a:srgbClr val="0365C0"/>
+                </a:solidFill>
+                <a:latin typeface="Arial"/>
+                <a:ea typeface="+mj-ea"/>
+                <a:cs typeface="Arial"/>
+              </a:defRPr>
+            </a:lvl1pPr>
+          </a:lstStyle>
+          <a:p>
+            <a:pPr marL="38100" algn="ctr">
+              <a:spcBef>
+                <a:spcPts val="100"/>
+              </a:spcBef>
+            </a:pPr>
+            <a:r>
+              <a:rPr lang="zh-TW" altLang="en-US" sz="6000" kern="0" dirty="0" smtClean="0">
+                <a:latin typeface="Microsoft JhengHei"/>
+                <a:cs typeface="Microsoft JhengHei"/>
+              </a:rPr>
+              <a:t>資料管理</a:t>
+            </a:r>
+            <a:endParaRPr lang="zh-TW" altLang="en-US" sz="6000" kern="0" dirty="0">
+              <a:latin typeface="Microsoft JhengHei"/>
+              <a:cs typeface="Microsoft JhengHei"/>
+            </a:endParaRPr>
+          </a:p>
+        </p:txBody>
+      </p:sp>
+      <p:pic>
+        <p:nvPicPr>
+          <p:cNvPr id="1026" name="Picture 2" descr="Types of mounts"/>
+          <p:cNvPicPr>
+            <a:picLocks noChangeAspect="1" noChangeArrowheads="1"/>
+          </p:cNvPicPr>
+          <p:nvPr/>
+        </p:nvPicPr>
+        <p:blipFill>
+          <a:blip r:embed="rId3">
+            <a:extLst>
+              <a:ext uri="{28A0092B-C50C-407E-A947-70E740481C1C}">
+                <a14:useLocalDpi xmlns:a14="http://schemas.microsoft.com/office/drawing/2010/main" val="0"/>
+              </a:ext>
+            </a:extLst>
+          </a:blip>
+          <a:srcRect/>
+          <a:stretch>
+            <a:fillRect/>
+          </a:stretch>
+        </p:blipFill>
+        <p:spPr bwMode="auto">
+          <a:xfrm>
+            <a:off x="1141274" y="2895600"/>
+            <a:ext cx="10928873" cy="5562600"/>
+          </a:xfrm>
+          <a:prstGeom prst="rect">
+            <a:avLst/>
+          </a:prstGeom>
+          <a:noFill/>
+          <a:extLst>
+            <a:ext uri="{909E8E84-426E-40DD-AFC4-6F175D3DCCD1}">
+              <a14:hiddenFill xmlns:a14="http://schemas.microsoft.com/office/drawing/2010/main">
+                <a:solidFill>
+                  <a:srgbClr val="FFFFFF"/>
+                </a:solidFill>
+              </a14:hiddenFill>
+            </a:ext>
+          </a:extLst>
+        </p:spPr>
+      </p:pic>
+    </p:spTree>
+    <p:extLst>
+      <p:ext uri="{BB962C8B-B14F-4D97-AF65-F5344CB8AC3E}">
+        <p14:creationId xmlns:p14="http://schemas.microsoft.com/office/powerpoint/2010/main" val="2984955358"/>
+      </p:ext>
+    </p:extLst>
+  </p:cSld>
+  <p:clrMapOvr>
+    <a:masterClrMapping/>
+  </p:clrMapOvr>
+  <p:timing>
+    <p:tnLst>
+      <p:par>
+        <p:cTn id="1" dur="indefinite" restart="never" nodeType="tmRoot"/>
+      </p:par>
+    </p:tnLst>
+  </p:timing>
+</p:sld>
+</file>
+
+<file path=ppt/slides/slide24.xml><?xml version="1.0" encoding="utf-8"?>
+<p:sld xmlns:a="http://schemas.openxmlformats.org/drawingml/2006/main" xmlns:r="http://schemas.openxmlformats.org/officeDocument/2006/relationships" xmlns:p="http://schemas.openxmlformats.org/presentationml/2006/main">
+  <p:cSld>
+    <p:spTree>
+      <p:nvGrpSpPr>
+        <p:cNvPr id="1" name=""/>
+        <p:cNvGrpSpPr/>
+        <p:nvPr/>
+      </p:nvGrpSpPr>
+      <p:grpSpPr>
+        <a:xfrm>
+          <a:off x="0" y="0"/>
+          <a:ext cx="0" cy="0"/>
+          <a:chOff x="0" y="0"/>
+          <a:chExt cx="0" cy="0"/>
+        </a:xfrm>
+      </p:grpSpPr>
+      <p:sp>
+        <p:nvSpPr>
+          <p:cNvPr id="8" name="object 8"/>
+          <p:cNvSpPr txBox="1"/>
+          <p:nvPr/>
+        </p:nvSpPr>
+        <p:spPr>
+          <a:xfrm>
+            <a:off x="101600" y="2806700"/>
+            <a:ext cx="12674600" cy="3354123"/>
+          </a:xfrm>
+          <a:prstGeom prst="rect">
+            <a:avLst/>
+          </a:prstGeom>
+          <a:solidFill>
+            <a:srgbClr val="182923"/>
+          </a:solidFill>
+        </p:spPr>
+        <p:txBody>
+          <a:bodyPr vert="horz" wrap="square" lIns="0" tIns="29845" rIns="0" bIns="0" rtlCol="0">
+            <a:spAutoFit/>
+          </a:bodyPr>
+          <a:lstStyle/>
+          <a:p>
+            <a:r>
+              <a:rPr sz="3600" dirty="0" smtClean="0">
+                <a:solidFill>
+                  <a:srgbClr val="FFFFFF"/>
+                </a:solidFill>
+                <a:latin typeface="Consolas"/>
+                <a:cs typeface="Consolas"/>
+              </a:rPr>
+              <a:t>$</a:t>
+            </a:r>
+            <a:r>
+              <a:rPr lang="en-US" altLang="zh-TW" sz="3600" dirty="0" err="1">
+                <a:solidFill>
+                  <a:srgbClr val="FFFFFF"/>
+                </a:solidFill>
+                <a:latin typeface="Consolas"/>
+                <a:cs typeface="Consolas"/>
+              </a:rPr>
+              <a:t>docker</a:t>
+            </a:r>
+            <a:r>
+              <a:rPr lang="en-US" altLang="zh-TW" sz="3600" dirty="0">
+                <a:solidFill>
+                  <a:srgbClr val="FFFFFF"/>
+                </a:solidFill>
+                <a:latin typeface="Consolas"/>
+                <a:cs typeface="Consolas"/>
+              </a:rPr>
+              <a:t> volume create my-</a:t>
+            </a:r>
+            <a:r>
+              <a:rPr lang="en-US" altLang="zh-TW" sz="3600" dirty="0" err="1">
+                <a:solidFill>
+                  <a:srgbClr val="FFFFFF"/>
+                </a:solidFill>
+                <a:latin typeface="Consolas"/>
+                <a:cs typeface="Consolas"/>
+              </a:rPr>
+              <a:t>vol</a:t>
+            </a:r>
+            <a:endParaRPr lang="en-US" altLang="zh-TW" sz="3600" dirty="0">
+              <a:solidFill>
+                <a:srgbClr val="FFFFFF"/>
+              </a:solidFill>
+              <a:latin typeface="Consolas"/>
+              <a:cs typeface="Consolas"/>
+            </a:endParaRPr>
+          </a:p>
+          <a:p>
+            <a:r>
+              <a:rPr lang="en-US" altLang="zh-TW" sz="3600" dirty="0">
+                <a:solidFill>
+                  <a:srgbClr val="FFFFFF"/>
+                </a:solidFill>
+                <a:latin typeface="Consolas"/>
+                <a:cs typeface="Consolas"/>
+              </a:rPr>
+              <a:t>$</a:t>
+            </a:r>
+            <a:r>
+              <a:rPr lang="en-US" altLang="zh-TW" sz="3600" dirty="0" err="1">
+                <a:solidFill>
+                  <a:srgbClr val="FFFFFF"/>
+                </a:solidFill>
+                <a:latin typeface="Consolas"/>
+                <a:cs typeface="Consolas"/>
+              </a:rPr>
+              <a:t>docker</a:t>
+            </a:r>
+            <a:r>
+              <a:rPr lang="en-US" altLang="zh-TW" sz="3600" dirty="0">
+                <a:solidFill>
+                  <a:srgbClr val="FFFFFF"/>
+                </a:solidFill>
+                <a:latin typeface="Consolas"/>
+                <a:cs typeface="Consolas"/>
+              </a:rPr>
+              <a:t> volume ls</a:t>
+            </a:r>
+          </a:p>
+          <a:p>
+            <a:r>
+              <a:rPr lang="en-US" altLang="zh-TW" sz="3600" dirty="0">
+                <a:solidFill>
+                  <a:srgbClr val="FFFFFF"/>
+                </a:solidFill>
+                <a:latin typeface="Consolas"/>
+                <a:cs typeface="Consolas"/>
+              </a:rPr>
+              <a:t>$</a:t>
+            </a:r>
+            <a:r>
+              <a:rPr lang="en-US" altLang="zh-TW" sz="3600" dirty="0" err="1">
+                <a:solidFill>
+                  <a:srgbClr val="FFFFFF"/>
+                </a:solidFill>
+                <a:latin typeface="Consolas"/>
+                <a:cs typeface="Consolas"/>
+              </a:rPr>
+              <a:t>docker</a:t>
+            </a:r>
+            <a:r>
+              <a:rPr lang="en-US" altLang="zh-TW" sz="3600" dirty="0">
+                <a:solidFill>
+                  <a:srgbClr val="FFFFFF"/>
+                </a:solidFill>
+                <a:latin typeface="Consolas"/>
+                <a:cs typeface="Consolas"/>
+              </a:rPr>
+              <a:t> volume inspect my-</a:t>
+            </a:r>
+            <a:r>
+              <a:rPr lang="en-US" altLang="zh-TW" sz="3600" dirty="0" err="1">
+                <a:solidFill>
+                  <a:srgbClr val="FFFFFF"/>
+                </a:solidFill>
+                <a:latin typeface="Consolas"/>
+                <a:cs typeface="Consolas"/>
+              </a:rPr>
+              <a:t>vol</a:t>
+            </a:r>
+            <a:endParaRPr lang="en-US" altLang="zh-TW" sz="3600" dirty="0">
+              <a:solidFill>
+                <a:srgbClr val="FFFFFF"/>
+              </a:solidFill>
+              <a:latin typeface="Consolas"/>
+              <a:cs typeface="Consolas"/>
+            </a:endParaRPr>
+          </a:p>
+          <a:p>
+            <a:r>
+              <a:rPr lang="en-US" altLang="zh-TW" sz="3600" dirty="0">
+                <a:solidFill>
+                  <a:srgbClr val="FFFFFF"/>
+                </a:solidFill>
+                <a:latin typeface="Consolas"/>
+                <a:cs typeface="Consolas"/>
+              </a:rPr>
+              <a:t>$ </a:t>
+            </a:r>
+            <a:r>
+              <a:rPr lang="en-US" altLang="zh-TW" sz="3600" dirty="0" err="1">
+                <a:solidFill>
+                  <a:srgbClr val="FFFFFF"/>
+                </a:solidFill>
+                <a:latin typeface="Consolas"/>
+                <a:cs typeface="Consolas"/>
+              </a:rPr>
+              <a:t>docker</a:t>
+            </a:r>
+            <a:r>
+              <a:rPr lang="en-US" altLang="zh-TW" sz="3600" dirty="0">
+                <a:solidFill>
+                  <a:srgbClr val="FFFFFF"/>
+                </a:solidFill>
+                <a:latin typeface="Consolas"/>
+                <a:cs typeface="Consolas"/>
+              </a:rPr>
+              <a:t> run -d \ --name=</a:t>
+            </a:r>
+            <a:r>
+              <a:rPr lang="en-US" altLang="zh-TW" sz="3600" dirty="0" err="1">
+                <a:solidFill>
+                  <a:srgbClr val="FFFFFF"/>
+                </a:solidFill>
+                <a:latin typeface="Consolas"/>
+                <a:cs typeface="Consolas"/>
+              </a:rPr>
+              <a:t>nginxtest</a:t>
+            </a:r>
+            <a:r>
+              <a:rPr lang="en-US" altLang="zh-TW" sz="3600" dirty="0">
+                <a:solidFill>
+                  <a:srgbClr val="FFFFFF"/>
+                </a:solidFill>
+                <a:latin typeface="Consolas"/>
+                <a:cs typeface="Consolas"/>
+              </a:rPr>
+              <a:t> \ -v </a:t>
+            </a:r>
+            <a:r>
+              <a:rPr lang="en-US" altLang="zh-TW" sz="3600" dirty="0" err="1">
+                <a:solidFill>
+                  <a:srgbClr val="FFFFFF"/>
+                </a:solidFill>
+                <a:latin typeface="Consolas"/>
+                <a:cs typeface="Consolas"/>
+              </a:rPr>
+              <a:t>nginx-vol</a:t>
+            </a:r>
+            <a:r>
+              <a:rPr lang="en-US" altLang="zh-TW" sz="3600" dirty="0">
+                <a:solidFill>
+                  <a:srgbClr val="FFFFFF"/>
+                </a:solidFill>
+                <a:latin typeface="Consolas"/>
+                <a:cs typeface="Consolas"/>
+              </a:rPr>
+              <a:t>:/</a:t>
+            </a:r>
+            <a:r>
+              <a:rPr lang="en-US" altLang="zh-TW" sz="3600" dirty="0" err="1">
+                <a:solidFill>
+                  <a:srgbClr val="FFFFFF"/>
+                </a:solidFill>
+                <a:latin typeface="Consolas"/>
+                <a:cs typeface="Consolas"/>
+              </a:rPr>
+              <a:t>usr</a:t>
+            </a:r>
+            <a:r>
+              <a:rPr lang="en-US" altLang="zh-TW" sz="3600" dirty="0">
+                <a:solidFill>
+                  <a:srgbClr val="FFFFFF"/>
+                </a:solidFill>
+                <a:latin typeface="Consolas"/>
+                <a:cs typeface="Consolas"/>
+              </a:rPr>
+              <a:t>/share/</a:t>
+            </a:r>
+            <a:r>
+              <a:rPr lang="en-US" altLang="zh-TW" sz="3600" dirty="0" err="1">
+                <a:solidFill>
+                  <a:srgbClr val="FFFFFF"/>
+                </a:solidFill>
+                <a:latin typeface="Consolas"/>
+                <a:cs typeface="Consolas"/>
+              </a:rPr>
+              <a:t>nginx</a:t>
+            </a:r>
+            <a:r>
+              <a:rPr lang="en-US" altLang="zh-TW" sz="3600" dirty="0">
+                <a:solidFill>
+                  <a:srgbClr val="FFFFFF"/>
+                </a:solidFill>
+                <a:latin typeface="Consolas"/>
+                <a:cs typeface="Consolas"/>
+              </a:rPr>
+              <a:t>/html \ </a:t>
+            </a:r>
+            <a:r>
+              <a:rPr lang="en-US" altLang="zh-TW" sz="3600" dirty="0" err="1">
+                <a:solidFill>
+                  <a:srgbClr val="FFFFFF"/>
+                </a:solidFill>
+                <a:latin typeface="Consolas"/>
+                <a:cs typeface="Consolas"/>
+              </a:rPr>
+              <a:t>nginx:latest</a:t>
+            </a:r>
+            <a:endParaRPr lang="en-US" altLang="zh-TW" sz="3600" dirty="0">
+              <a:solidFill>
+                <a:srgbClr val="FFFFFF"/>
+              </a:solidFill>
+              <a:latin typeface="Consolas"/>
+              <a:cs typeface="Consolas"/>
+            </a:endParaRPr>
+          </a:p>
+          <a:p>
+            <a:r>
+              <a:rPr lang="en-US" altLang="zh-TW" sz="3600" dirty="0">
+                <a:solidFill>
+                  <a:srgbClr val="FFFFFF"/>
+                </a:solidFill>
+                <a:latin typeface="Consolas"/>
+                <a:cs typeface="Consolas"/>
+              </a:rPr>
+              <a:t>$</a:t>
+            </a:r>
+            <a:r>
+              <a:rPr lang="en-US" altLang="zh-TW" sz="3600" dirty="0" err="1">
+                <a:solidFill>
+                  <a:srgbClr val="FFFFFF"/>
+                </a:solidFill>
+                <a:latin typeface="Consolas"/>
+                <a:cs typeface="Consolas"/>
+              </a:rPr>
+              <a:t>docker</a:t>
+            </a:r>
+            <a:r>
+              <a:rPr lang="en-US" altLang="zh-TW" sz="3600" dirty="0">
+                <a:solidFill>
+                  <a:srgbClr val="FFFFFF"/>
+                </a:solidFill>
+                <a:latin typeface="Consolas"/>
+                <a:cs typeface="Consolas"/>
+              </a:rPr>
+              <a:t> volume </a:t>
+            </a:r>
+            <a:r>
+              <a:rPr lang="en-US" altLang="zh-TW" sz="3600" dirty="0" err="1">
+                <a:solidFill>
+                  <a:srgbClr val="FFFFFF"/>
+                </a:solidFill>
+                <a:latin typeface="Consolas"/>
+                <a:cs typeface="Consolas"/>
+              </a:rPr>
+              <a:t>rm</a:t>
+            </a:r>
+            <a:r>
+              <a:rPr lang="en-US" altLang="zh-TW" sz="3600" dirty="0">
+                <a:solidFill>
+                  <a:srgbClr val="FFFFFF"/>
+                </a:solidFill>
+                <a:latin typeface="Consolas"/>
+                <a:cs typeface="Consolas"/>
+              </a:rPr>
+              <a:t> my-</a:t>
+            </a:r>
+            <a:r>
+              <a:rPr lang="en-US" altLang="zh-TW" sz="3600" dirty="0" err="1">
+                <a:solidFill>
+                  <a:srgbClr val="FFFFFF"/>
+                </a:solidFill>
+                <a:latin typeface="Consolas"/>
+                <a:cs typeface="Consolas"/>
+              </a:rPr>
+              <a:t>vol</a:t>
+            </a:r>
+            <a:endParaRPr lang="en-US" altLang="zh-TW" sz="3600" dirty="0">
+              <a:solidFill>
+                <a:srgbClr val="FFFFFF"/>
+              </a:solidFill>
+              <a:latin typeface="Consolas"/>
+              <a:cs typeface="Consolas"/>
+            </a:endParaRPr>
+          </a:p>
+        </p:txBody>
+      </p:sp>
+      <p:sp>
+        <p:nvSpPr>
+          <p:cNvPr id="6" name="object 5"/>
+          <p:cNvSpPr txBox="1">
+            <a:spLocks/>
+          </p:cNvSpPr>
+          <p:nvPr/>
+        </p:nvSpPr>
+        <p:spPr>
+          <a:xfrm>
+            <a:off x="1778000" y="903391"/>
+            <a:ext cx="9655423" cy="936154"/>
+          </a:xfrm>
+          <a:prstGeom prst="rect">
+            <a:avLst/>
+          </a:prstGeom>
+        </p:spPr>
+        <p:txBody>
+          <a:bodyPr vert="horz" wrap="square" lIns="0" tIns="12700" rIns="0" bIns="0" rtlCol="0">
+            <a:spAutoFit/>
+          </a:bodyPr>
+          <a:lstStyle>
+            <a:lvl1pPr>
+              <a:defRPr sz="2600" b="1" i="0">
+                <a:solidFill>
+                  <a:srgbClr val="0365C0"/>
+                </a:solidFill>
+                <a:latin typeface="Arial"/>
+                <a:ea typeface="+mj-ea"/>
+                <a:cs typeface="Arial"/>
+              </a:defRPr>
+            </a:lvl1pPr>
+          </a:lstStyle>
+          <a:p>
+            <a:pPr marL="38100" algn="ctr">
+              <a:spcBef>
+                <a:spcPts val="100"/>
+              </a:spcBef>
+            </a:pPr>
+            <a:r>
+              <a:rPr lang="zh-TW" altLang="en-US" sz="6000" kern="0" dirty="0" smtClean="0">
+                <a:latin typeface="Microsoft JhengHei"/>
+                <a:cs typeface="Microsoft JhengHei"/>
+              </a:rPr>
+              <a:t>使用</a:t>
+            </a:r>
+            <a:r>
+              <a:rPr lang="en-US" altLang="zh-TW" sz="6000" kern="0" dirty="0" smtClean="0">
+                <a:latin typeface="Microsoft JhengHei"/>
+                <a:cs typeface="Microsoft JhengHei"/>
+              </a:rPr>
+              <a:t>Volume</a:t>
+            </a:r>
+            <a:endParaRPr lang="zh-TW" altLang="en-US" sz="6000" kern="0" dirty="0">
+              <a:latin typeface="Microsoft JhengHei"/>
+              <a:cs typeface="Microsoft JhengHei"/>
+            </a:endParaRPr>
+          </a:p>
+        </p:txBody>
+      </p:sp>
+    </p:spTree>
+    <p:extLst>
+      <p:ext uri="{BB962C8B-B14F-4D97-AF65-F5344CB8AC3E}">
+        <p14:creationId xmlns:p14="http://schemas.microsoft.com/office/powerpoint/2010/main" val="2268316791"/>
       </p:ext>
     </p:extLst>
   </p:cSld>
